--- a/Умные указатели/Умные указатели-2.pptx
+++ b/Умные указатели/Умные указатели-2.pptx
@@ -11,6 +11,10 @@
     <p:sldId id="258" r:id="rId5"/>
     <p:sldId id="263" r:id="rId6"/>
     <p:sldId id="261" r:id="rId7"/>
+    <p:sldId id="259" r:id="rId8"/>
+    <p:sldId id="260" r:id="rId9"/>
+    <p:sldId id="264" r:id="rId10"/>
+    <p:sldId id="265" r:id="rId11"/>
   </p:sldIdLst>
   <p:sldSz cx="12192000" cy="6858000"/>
   <p:notesSz cx="6858000" cy="9144000"/>
@@ -3416,6 +3420,413 @@
 </p:sld>
 </file>
 
+<file path=ppt/slides/slide10.xml><?xml version="1.0" encoding="utf-8"?>
+<p:sld xmlns:a="http://schemas.openxmlformats.org/drawingml/2006/main" xmlns:r="http://schemas.openxmlformats.org/officeDocument/2006/relationships" xmlns:p="http://schemas.openxmlformats.org/presentationml/2006/main">
+  <p:cSld>
+    <p:spTree>
+      <p:nvGrpSpPr>
+        <p:cNvPr id="1" name=""/>
+        <p:cNvGrpSpPr/>
+        <p:nvPr/>
+      </p:nvGrpSpPr>
+      <p:grpSpPr>
+        <a:xfrm>
+          <a:off x="0" y="0"/>
+          <a:ext cx="0" cy="0"/>
+          <a:chOff x="0" y="0"/>
+          <a:chExt cx="0" cy="0"/>
+        </a:xfrm>
+      </p:grpSpPr>
+      <p:sp>
+        <p:nvSpPr>
+          <p:cNvPr id="2" name="Заголовок 1">
+            <a:extLst>
+              <a:ext uri="{FF2B5EF4-FFF2-40B4-BE49-F238E27FC236}">
+                <a16:creationId xmlns:a16="http://schemas.microsoft.com/office/drawing/2014/main" id="{ED62770F-4A8F-4809-B229-265063E8F71D}"/>
+              </a:ext>
+            </a:extLst>
+          </p:cNvPr>
+          <p:cNvSpPr>
+            <a:spLocks noGrp="1"/>
+          </p:cNvSpPr>
+          <p:nvPr>
+            <p:ph type="title"/>
+          </p:nvPr>
+        </p:nvSpPr>
+        <p:spPr>
+          <a:xfrm>
+            <a:off x="838200" y="365125"/>
+            <a:ext cx="10515600" cy="599609"/>
+          </a:xfrm>
+        </p:spPr>
+        <p:txBody>
+          <a:bodyPr>
+            <a:normAutofit fontScale="90000"/>
+          </a:bodyPr>
+          <a:lstStyle/>
+          <a:p>
+            <a:r>
+              <a:rPr lang="ru-RU" dirty="0"/>
+              <a:t>Создание и применение </a:t>
+            </a:r>
+            <a:r>
+              <a:rPr lang="en-US" dirty="0">
+                <a:latin typeface="Consolas" panose="020B0609020204030204" pitchFamily="49" charset="0"/>
+              </a:rPr>
+              <a:t>std::</a:t>
+            </a:r>
+            <a:r>
+              <a:rPr lang="en-US" dirty="0" err="1">
+                <a:latin typeface="Consolas" panose="020B0609020204030204" pitchFamily="49" charset="0"/>
+              </a:rPr>
+              <a:t>weak_ptr</a:t>
+            </a:r>
+            <a:r>
+              <a:rPr lang="en-US" dirty="0">
+                <a:latin typeface="Consolas" panose="020B0609020204030204" pitchFamily="49" charset="0"/>
+              </a:rPr>
+              <a:t>&lt;&gt;</a:t>
+            </a:r>
+            <a:r>
+              <a:rPr lang="ru-RU" dirty="0"/>
+              <a:t> </a:t>
+            </a:r>
+          </a:p>
+        </p:txBody>
+      </p:sp>
+      <p:sp>
+        <p:nvSpPr>
+          <p:cNvPr id="3" name="Объект 2">
+            <a:extLst>
+              <a:ext uri="{FF2B5EF4-FFF2-40B4-BE49-F238E27FC236}">
+                <a16:creationId xmlns:a16="http://schemas.microsoft.com/office/drawing/2014/main" id="{700ACBFE-4DFE-4B9F-87A4-A787989D9CAF}"/>
+              </a:ext>
+            </a:extLst>
+          </p:cNvPr>
+          <p:cNvSpPr>
+            <a:spLocks noGrp="1"/>
+          </p:cNvSpPr>
+          <p:nvPr>
+            <p:ph idx="1"/>
+          </p:nvPr>
+        </p:nvSpPr>
+        <p:spPr>
+          <a:xfrm>
+            <a:off x="838200" y="1241571"/>
+            <a:ext cx="10515600" cy="4935392"/>
+          </a:xfrm>
+        </p:spPr>
+        <p:txBody>
+          <a:bodyPr/>
+          <a:lstStyle/>
+          <a:p>
+            <a:r>
+              <a:rPr lang="en-US" sz="2800" dirty="0">
+                <a:solidFill>
+                  <a:srgbClr val="000000"/>
+                </a:solidFill>
+                <a:highlight>
+                  <a:srgbClr val="FFFFFF"/>
+                </a:highlight>
+                <a:latin typeface="Cascadia Mono" panose="020B0609020000020004" pitchFamily="49" charset="0"/>
+              </a:rPr>
+              <a:t>std::</a:t>
+            </a:r>
+            <a:r>
+              <a:rPr lang="en-US" sz="2800" dirty="0" err="1">
+                <a:solidFill>
+                  <a:srgbClr val="2B91AF"/>
+                </a:solidFill>
+                <a:highlight>
+                  <a:srgbClr val="FFFFFF"/>
+                </a:highlight>
+                <a:latin typeface="Cascadia Mono" panose="020B0609020000020004" pitchFamily="49" charset="0"/>
+              </a:rPr>
+              <a:t>weak_ptr</a:t>
+            </a:r>
+            <a:r>
+              <a:rPr lang="en-US" sz="2800" dirty="0">
+                <a:solidFill>
+                  <a:srgbClr val="000000"/>
+                </a:solidFill>
+                <a:highlight>
+                  <a:srgbClr val="FFFFFF"/>
+                </a:highlight>
+                <a:latin typeface="Cascadia Mono" panose="020B0609020000020004" pitchFamily="49" charset="0"/>
+              </a:rPr>
+              <a:t>&lt;</a:t>
+            </a:r>
+            <a:r>
+              <a:rPr lang="en-US" sz="2800" dirty="0" err="1">
+                <a:solidFill>
+                  <a:srgbClr val="0000FF"/>
+                </a:solidFill>
+                <a:highlight>
+                  <a:srgbClr val="FFFFFF"/>
+                </a:highlight>
+                <a:latin typeface="Cascadia Mono" panose="020B0609020000020004" pitchFamily="49" charset="0"/>
+              </a:rPr>
+              <a:t>typename</a:t>
+            </a:r>
+            <a:r>
+              <a:rPr lang="en-US" sz="2800" dirty="0">
+                <a:solidFill>
+                  <a:srgbClr val="000000"/>
+                </a:solidFill>
+                <a:highlight>
+                  <a:srgbClr val="FFFFFF"/>
+                </a:highlight>
+                <a:latin typeface="Cascadia Mono" panose="020B0609020000020004" pitchFamily="49" charset="0"/>
+              </a:rPr>
+              <a:t>&gt; </a:t>
+            </a:r>
+            <a:r>
+              <a:rPr lang="en-US" dirty="0" err="1">
+                <a:solidFill>
+                  <a:srgbClr val="000000"/>
+                </a:solidFill>
+                <a:highlight>
+                  <a:srgbClr val="FFFFFF"/>
+                </a:highlight>
+                <a:latin typeface="Cascadia Mono" panose="020B0609020000020004" pitchFamily="49" charset="0"/>
+              </a:rPr>
+              <a:t>w_ptr</a:t>
+            </a:r>
+            <a:r>
+              <a:rPr lang="en-US" sz="2800" dirty="0">
+                <a:solidFill>
+                  <a:srgbClr val="000000"/>
+                </a:solidFill>
+                <a:highlight>
+                  <a:srgbClr val="FFFFFF"/>
+                </a:highlight>
+                <a:latin typeface="Cascadia Mono" panose="020B0609020000020004" pitchFamily="49" charset="0"/>
+              </a:rPr>
+              <a:t>;</a:t>
+            </a:r>
+            <a:endParaRPr lang="en-US" dirty="0"/>
+          </a:p>
+          <a:p>
+            <a:r>
+              <a:rPr lang="ru-RU" dirty="0"/>
+              <a:t>Инициализация:</a:t>
+            </a:r>
+            <a:r>
+              <a:rPr lang="en-US" dirty="0"/>
+              <a:t> </a:t>
+            </a:r>
+            <a:r>
+              <a:rPr lang="pl-PL" dirty="0">
+                <a:solidFill>
+                  <a:srgbClr val="000000"/>
+                </a:solidFill>
+                <a:highlight>
+                  <a:srgbClr val="FFFFFF"/>
+                </a:highlight>
+                <a:latin typeface="Cascadia Mono" panose="020B0609020000020004" pitchFamily="49" charset="0"/>
+              </a:rPr>
+              <a:t>w_ptr = sh_ptr.lock();</a:t>
+            </a:r>
+            <a:endParaRPr lang="en-US" dirty="0">
+              <a:solidFill>
+                <a:srgbClr val="000000"/>
+              </a:solidFill>
+              <a:highlight>
+                <a:srgbClr val="FFFFFF"/>
+              </a:highlight>
+              <a:latin typeface="Cascadia Mono" panose="020B0609020000020004" pitchFamily="49" charset="0"/>
+            </a:endParaRPr>
+          </a:p>
+          <a:p>
+            <a:pPr lvl="1"/>
+            <a:r>
+              <a:rPr lang="ru-RU" dirty="0">
+                <a:solidFill>
+                  <a:srgbClr val="000000"/>
+                </a:solidFill>
+                <a:highlight>
+                  <a:srgbClr val="FFFFFF"/>
+                </a:highlight>
+              </a:rPr>
+              <a:t>Где </a:t>
+            </a:r>
+            <a:r>
+              <a:rPr lang="en-US" dirty="0" err="1">
+                <a:solidFill>
+                  <a:srgbClr val="000000"/>
+                </a:solidFill>
+                <a:highlight>
+                  <a:srgbClr val="FFFFFF"/>
+                </a:highlight>
+              </a:rPr>
+              <a:t>sh_ptr</a:t>
+            </a:r>
+            <a:r>
+              <a:rPr lang="en-US" dirty="0">
+                <a:solidFill>
+                  <a:srgbClr val="000000"/>
+                </a:solidFill>
+                <a:highlight>
+                  <a:srgbClr val="FFFFFF"/>
+                </a:highlight>
+              </a:rPr>
+              <a:t> – std::</a:t>
+            </a:r>
+            <a:r>
+              <a:rPr lang="en-US" dirty="0" err="1">
+                <a:solidFill>
+                  <a:srgbClr val="000000"/>
+                </a:solidFill>
+                <a:highlight>
+                  <a:srgbClr val="FFFFFF"/>
+                </a:highlight>
+              </a:rPr>
+              <a:t>shared_ptr</a:t>
+            </a:r>
+            <a:endParaRPr lang="ru-RU" dirty="0"/>
+          </a:p>
+          <a:p>
+            <a:r>
+              <a:rPr lang="pl-PL" dirty="0">
+                <a:solidFill>
+                  <a:srgbClr val="000000"/>
+                </a:solidFill>
+                <a:highlight>
+                  <a:srgbClr val="FFFFFF"/>
+                </a:highlight>
+                <a:latin typeface="Cascadia Mono" panose="020B0609020000020004" pitchFamily="49" charset="0"/>
+              </a:rPr>
+              <a:t>.lock()</a:t>
+            </a:r>
+            <a:r>
+              <a:rPr lang="en-US" dirty="0">
+                <a:solidFill>
+                  <a:srgbClr val="000000"/>
+                </a:solidFill>
+                <a:highlight>
+                  <a:srgbClr val="FFFFFF"/>
+                </a:highlight>
+                <a:latin typeface="Cascadia Mono" panose="020B0609020000020004" pitchFamily="49" charset="0"/>
+              </a:rPr>
+              <a:t> </a:t>
+            </a:r>
+            <a:r>
+              <a:rPr lang="en-US" dirty="0">
+                <a:solidFill>
+                  <a:srgbClr val="000000"/>
+                </a:solidFill>
+                <a:highlight>
+                  <a:srgbClr val="FFFFFF"/>
+                </a:highlight>
+              </a:rPr>
+              <a:t>– </a:t>
+            </a:r>
+            <a:r>
+              <a:rPr lang="ru-RU" dirty="0">
+                <a:solidFill>
+                  <a:srgbClr val="000000"/>
+                </a:solidFill>
+                <a:highlight>
+                  <a:srgbClr val="FFFFFF"/>
+                </a:highlight>
+              </a:rPr>
+              <a:t>безопасная попытка получить объект (есть вероятность, что объект является уничтоженным)</a:t>
+            </a:r>
+          </a:p>
+          <a:p>
+            <a:r>
+              <a:rPr lang="pl-PL" dirty="0">
+                <a:solidFill>
+                  <a:srgbClr val="000000"/>
+                </a:solidFill>
+                <a:highlight>
+                  <a:srgbClr val="FFFFFF"/>
+                </a:highlight>
+                <a:latin typeface="Cascadia Mono" panose="020B0609020000020004" pitchFamily="49" charset="0"/>
+              </a:rPr>
+              <a:t>.</a:t>
+            </a:r>
+            <a:r>
+              <a:rPr lang="en-US" dirty="0">
+                <a:solidFill>
+                  <a:srgbClr val="000000"/>
+                </a:solidFill>
+                <a:highlight>
+                  <a:srgbClr val="FFFFFF"/>
+                </a:highlight>
+                <a:latin typeface="Cascadia Mono" panose="020B0609020000020004" pitchFamily="49" charset="0"/>
+              </a:rPr>
+              <a:t>expired</a:t>
+            </a:r>
+            <a:r>
+              <a:rPr lang="pl-PL" dirty="0">
+                <a:solidFill>
+                  <a:srgbClr val="000000"/>
+                </a:solidFill>
+                <a:highlight>
+                  <a:srgbClr val="FFFFFF"/>
+                </a:highlight>
+                <a:latin typeface="Cascadia Mono" panose="020B0609020000020004" pitchFamily="49" charset="0"/>
+              </a:rPr>
+              <a:t>()</a:t>
+            </a:r>
+            <a:r>
+              <a:rPr lang="en-US" dirty="0">
+                <a:solidFill>
+                  <a:srgbClr val="000000"/>
+                </a:solidFill>
+                <a:highlight>
+                  <a:srgbClr val="FFFFFF"/>
+                </a:highlight>
+                <a:latin typeface="Cascadia Mono" panose="020B0609020000020004" pitchFamily="49" charset="0"/>
+              </a:rPr>
+              <a:t> </a:t>
+            </a:r>
+            <a:r>
+              <a:rPr lang="en-US" dirty="0">
+                <a:solidFill>
+                  <a:srgbClr val="000000"/>
+                </a:solidFill>
+                <a:highlight>
+                  <a:srgbClr val="FFFFFF"/>
+                </a:highlight>
+              </a:rPr>
+              <a:t>– </a:t>
+            </a:r>
+            <a:r>
+              <a:rPr lang="ru-RU" dirty="0">
+                <a:solidFill>
+                  <a:srgbClr val="000000"/>
+                </a:solidFill>
+                <a:highlight>
+                  <a:srgbClr val="FFFFFF"/>
+                </a:highlight>
+              </a:rPr>
+              <a:t>предикат, проверяющий, уничтожен ли объект</a:t>
+            </a:r>
+            <a:endParaRPr lang="en-US" dirty="0"/>
+          </a:p>
+          <a:p>
+            <a:r>
+              <a:rPr lang="ru-RU" dirty="0"/>
+              <a:t>Необходимо НЕ продлевать жизнь объекту при обращении</a:t>
+            </a:r>
+          </a:p>
+        </p:txBody>
+      </p:sp>
+    </p:spTree>
+    <p:extLst>
+      <p:ext uri="{BB962C8B-B14F-4D97-AF65-F5344CB8AC3E}">
+        <p14:creationId xmlns:p14="http://schemas.microsoft.com/office/powerpoint/2010/main" val="297355397"/>
+      </p:ext>
+    </p:extLst>
+  </p:cSld>
+  <p:clrMapOvr>
+    <a:masterClrMapping/>
+  </p:clrMapOvr>
+</p:sld>
+</file>
+
 <file path=ppt/slides/slide2.xml><?xml version="1.0" encoding="utf-8"?>
 <p:sld xmlns:a="http://schemas.openxmlformats.org/drawingml/2006/main" xmlns:r="http://schemas.openxmlformats.org/officeDocument/2006/relationships" xmlns:p="http://schemas.openxmlformats.org/presentationml/2006/main">
   <p:cSld>
@@ -4455,6 +4866,41 @@
             <a:endParaRPr lang="ru-RU" dirty="0"/>
           </a:p>
           <a:p>
+            <a:pPr algn="just"/>
+            <a:r>
+              <a:rPr lang="en-US" dirty="0"/>
+              <a:t>.reset()</a:t>
+            </a:r>
+            <a:r>
+              <a:rPr lang="ru-RU" dirty="0"/>
+              <a:t>:</a:t>
+            </a:r>
+            <a:r>
+              <a:rPr lang="en-US" dirty="0"/>
+              <a:t> </a:t>
+            </a:r>
+            <a:r>
+              <a:rPr lang="ru-RU" dirty="0"/>
+              <a:t>удалить объект и указатель примет значение </a:t>
+            </a:r>
+            <a:r>
+              <a:rPr lang="en-US" dirty="0" err="1"/>
+              <a:t>nullptr</a:t>
+            </a:r>
+            <a:endParaRPr lang="ru-RU" dirty="0"/>
+          </a:p>
+          <a:p>
+            <a:pPr algn="just"/>
+            <a:r>
+              <a:rPr lang="en-US" dirty="0"/>
+              <a:t>.release(): </a:t>
+            </a:r>
+            <a:r>
+              <a:rPr lang="ru-RU" dirty="0"/>
+              <a:t>передать сырой указатель (следствие: опасный метод!)</a:t>
+            </a:r>
+          </a:p>
+          <a:p>
             <a:pPr marL="0" indent="0" algn="just">
               <a:buNone/>
             </a:pPr>
@@ -5001,7 +5447,7 @@
             <a:pPr algn="just"/>
             <a:r>
               <a:rPr lang="ru-RU" dirty="0"/>
-              <a:t>Инициализируйте массив в цикле значениями, которые будет вводить пользователь (выведите сообщение приглашения ввода)</a:t>
+              <a:t>Инициализируйте массив в цикле значениями, которые будет вводить пользователь (выведите сообщение приглашения ввода). Числа должны быть различными!</a:t>
             </a:r>
           </a:p>
           <a:p>
@@ -5015,7 +5461,7 @@
             <a:pPr lvl="1" algn="just"/>
             <a:r>
               <a:rPr lang="ru-RU" dirty="0"/>
-              <a:t>Принимающую число (по ссылке)</a:t>
+              <a:t>Принимающую число (по значению)</a:t>
             </a:r>
           </a:p>
           <a:p>
@@ -5080,6 +5526,3055 @@
     <p:extLst>
       <p:ext uri="{BB962C8B-B14F-4D97-AF65-F5344CB8AC3E}">
         <p14:creationId xmlns:p14="http://schemas.microsoft.com/office/powerpoint/2010/main" val="1894167692"/>
+      </p:ext>
+    </p:extLst>
+  </p:cSld>
+  <p:clrMapOvr>
+    <a:masterClrMapping/>
+  </p:clrMapOvr>
+</p:sld>
+</file>
+
+<file path=ppt/slides/slide7.xml><?xml version="1.0" encoding="utf-8"?>
+<p:sld xmlns:a="http://schemas.openxmlformats.org/drawingml/2006/main" xmlns:r="http://schemas.openxmlformats.org/officeDocument/2006/relationships" xmlns:p="http://schemas.openxmlformats.org/presentationml/2006/main">
+  <p:cSld>
+    <p:spTree>
+      <p:nvGrpSpPr>
+        <p:cNvPr id="1" name=""/>
+        <p:cNvGrpSpPr/>
+        <p:nvPr/>
+      </p:nvGrpSpPr>
+      <p:grpSpPr>
+        <a:xfrm>
+          <a:off x="0" y="0"/>
+          <a:ext cx="0" cy="0"/>
+          <a:chOff x="0" y="0"/>
+          <a:chExt cx="0" cy="0"/>
+        </a:xfrm>
+      </p:grpSpPr>
+      <p:sp>
+        <p:nvSpPr>
+          <p:cNvPr id="2" name="Заголовок 1">
+            <a:extLst>
+              <a:ext uri="{FF2B5EF4-FFF2-40B4-BE49-F238E27FC236}">
+                <a16:creationId xmlns:a16="http://schemas.microsoft.com/office/drawing/2014/main" id="{3F164B99-CEED-4195-AA38-2818C3DE662E}"/>
+              </a:ext>
+            </a:extLst>
+          </p:cNvPr>
+          <p:cNvSpPr>
+            <a:spLocks noGrp="1"/>
+          </p:cNvSpPr>
+          <p:nvPr>
+            <p:ph type="title"/>
+          </p:nvPr>
+        </p:nvSpPr>
+        <p:spPr>
+          <a:xfrm>
+            <a:off x="838200" y="365125"/>
+            <a:ext cx="10515600" cy="633165"/>
+          </a:xfrm>
+        </p:spPr>
+        <p:txBody>
+          <a:bodyPr>
+            <a:normAutofit fontScale="90000"/>
+          </a:bodyPr>
+          <a:lstStyle/>
+          <a:p>
+            <a:r>
+              <a:rPr lang="en-US" dirty="0">
+                <a:latin typeface="Consolas" panose="020B0609020204030204" pitchFamily="49" charset="0"/>
+              </a:rPr>
+              <a:t>std::</a:t>
+            </a:r>
+            <a:r>
+              <a:rPr lang="en-US" dirty="0" err="1">
+                <a:latin typeface="Consolas" panose="020B0609020204030204" pitchFamily="49" charset="0"/>
+              </a:rPr>
+              <a:t>shared_ptr</a:t>
+            </a:r>
+            <a:r>
+              <a:rPr lang="en-US" dirty="0">
+                <a:latin typeface="Consolas" panose="020B0609020204030204" pitchFamily="49" charset="0"/>
+              </a:rPr>
+              <a:t>&lt;&gt;</a:t>
+            </a:r>
+            <a:endParaRPr lang="ru-RU" dirty="0">
+              <a:latin typeface="Consolas" panose="020B0609020204030204" pitchFamily="49" charset="0"/>
+            </a:endParaRPr>
+          </a:p>
+        </p:txBody>
+      </p:sp>
+      <p:sp>
+        <p:nvSpPr>
+          <p:cNvPr id="3" name="Объект 2">
+            <a:extLst>
+              <a:ext uri="{FF2B5EF4-FFF2-40B4-BE49-F238E27FC236}">
+                <a16:creationId xmlns:a16="http://schemas.microsoft.com/office/drawing/2014/main" id="{B5FA0E51-8BB3-468D-98F1-F15BD8655DAE}"/>
+              </a:ext>
+            </a:extLst>
+          </p:cNvPr>
+          <p:cNvSpPr>
+            <a:spLocks noGrp="1"/>
+          </p:cNvSpPr>
+          <p:nvPr>
+            <p:ph idx="1"/>
+          </p:nvPr>
+        </p:nvSpPr>
+        <p:spPr>
+          <a:xfrm>
+            <a:off x="838200" y="1817236"/>
+            <a:ext cx="10515600" cy="4351338"/>
+          </a:xfrm>
+        </p:spPr>
+        <p:txBody>
+          <a:bodyPr>
+            <a:normAutofit lnSpcReduction="10000"/>
+          </a:bodyPr>
+          <a:lstStyle/>
+          <a:p>
+            <a:pPr marL="0" indent="0" algn="just">
+              <a:buNone/>
+            </a:pPr>
+            <a:r>
+              <a:rPr lang="ru-RU" dirty="0"/>
+              <a:t>«Совмещённый» указатель</a:t>
+            </a:r>
+          </a:p>
+          <a:p>
+            <a:pPr algn="just"/>
+            <a:r>
+              <a:rPr lang="ru-RU" dirty="0"/>
+              <a:t>Идея: совместное владение объектом</a:t>
+            </a:r>
+          </a:p>
+          <a:p>
+            <a:pPr algn="just"/>
+            <a:r>
+              <a:rPr lang="ru-RU" dirty="0"/>
+              <a:t>Следствие из идеи: существует счётчик указателей на объект. Информация о количестве владельцев: </a:t>
+            </a:r>
+            <a:r>
+              <a:rPr lang="en-US" dirty="0" err="1">
+                <a:latin typeface="Consolas" panose="020B0609020204030204" pitchFamily="49" charset="0"/>
+              </a:rPr>
+              <a:t>ptr.use_count</a:t>
+            </a:r>
+            <a:r>
+              <a:rPr lang="en-US" dirty="0">
+                <a:latin typeface="Consolas" panose="020B0609020204030204" pitchFamily="49" charset="0"/>
+              </a:rPr>
+              <a:t>()</a:t>
+            </a:r>
+            <a:r>
+              <a:rPr lang="ru-RU" dirty="0"/>
+              <a:t>. Расходуется дополнительная память</a:t>
+            </a:r>
+            <a:endParaRPr lang="ru-RU" dirty="0">
+              <a:latin typeface="Consolas" panose="020B0609020204030204" pitchFamily="49" charset="0"/>
+            </a:endParaRPr>
+          </a:p>
+          <a:p>
+            <a:pPr algn="just"/>
+            <a:r>
+              <a:rPr lang="ru-RU" dirty="0"/>
+              <a:t>Копирование работает</a:t>
+            </a:r>
+            <a:r>
+              <a:rPr lang="en-US" dirty="0"/>
+              <a:t>!</a:t>
+            </a:r>
+            <a:endParaRPr lang="ru-RU" dirty="0"/>
+          </a:p>
+          <a:p>
+            <a:pPr algn="just"/>
+            <a:r>
+              <a:rPr lang="ru-RU" dirty="0"/>
+              <a:t>Автоматически освобождает память при выходе</a:t>
+            </a:r>
+            <a:r>
+              <a:rPr lang="en-US" dirty="0"/>
+              <a:t> </a:t>
+            </a:r>
+            <a:r>
+              <a:rPr lang="ru-RU" dirty="0"/>
+              <a:t>из области видимости (даже при пойманных исключениях</a:t>
+            </a:r>
+            <a:r>
+              <a:rPr lang="en-US" dirty="0"/>
+              <a:t>!</a:t>
+            </a:r>
+            <a:r>
+              <a:rPr lang="ru-RU" dirty="0"/>
+              <a:t>)</a:t>
+            </a:r>
+            <a:endParaRPr lang="en-US" dirty="0"/>
+          </a:p>
+          <a:p>
+            <a:pPr algn="just"/>
+            <a:r>
+              <a:rPr lang="en-US" dirty="0"/>
+              <a:t>.reset() </a:t>
+            </a:r>
+            <a:r>
+              <a:rPr lang="ru-RU" dirty="0"/>
+              <a:t>уменьшает счётчик и освобождает указатель</a:t>
+            </a:r>
+          </a:p>
+          <a:p>
+            <a:pPr algn="just"/>
+            <a:r>
+              <a:rPr lang="ru-RU" dirty="0"/>
+              <a:t>Проблема: циклические ссылки</a:t>
+            </a:r>
+            <a:r>
+              <a:rPr lang="en-US" dirty="0"/>
+              <a:t>…</a:t>
+            </a:r>
+          </a:p>
+          <a:p>
+            <a:pPr marL="0" indent="0">
+              <a:buNone/>
+            </a:pPr>
+            <a:endParaRPr lang="ru-RU" dirty="0"/>
+          </a:p>
+        </p:txBody>
+      </p:sp>
+    </p:spTree>
+    <p:extLst>
+      <p:ext uri="{BB962C8B-B14F-4D97-AF65-F5344CB8AC3E}">
+        <p14:creationId xmlns:p14="http://schemas.microsoft.com/office/powerpoint/2010/main" val="2236935850"/>
+      </p:ext>
+    </p:extLst>
+  </p:cSld>
+  <p:clrMapOvr>
+    <a:masterClrMapping/>
+  </p:clrMapOvr>
+</p:sld>
+</file>
+
+<file path=ppt/slides/slide8.xml><?xml version="1.0" encoding="utf-8"?>
+<p:sld xmlns:a="http://schemas.openxmlformats.org/drawingml/2006/main" xmlns:r="http://schemas.openxmlformats.org/officeDocument/2006/relationships" xmlns:p="http://schemas.openxmlformats.org/presentationml/2006/main">
+  <p:cSld>
+    <p:spTree>
+      <p:nvGrpSpPr>
+        <p:cNvPr id="1" name=""/>
+        <p:cNvGrpSpPr/>
+        <p:nvPr/>
+      </p:nvGrpSpPr>
+      <p:grpSpPr>
+        <a:xfrm>
+          <a:off x="0" y="0"/>
+          <a:ext cx="0" cy="0"/>
+          <a:chOff x="0" y="0"/>
+          <a:chExt cx="0" cy="0"/>
+        </a:xfrm>
+      </p:grpSpPr>
+      <p:sp>
+        <p:nvSpPr>
+          <p:cNvPr id="2" name="Заголовок 1">
+            <a:extLst>
+              <a:ext uri="{FF2B5EF4-FFF2-40B4-BE49-F238E27FC236}">
+                <a16:creationId xmlns:a16="http://schemas.microsoft.com/office/drawing/2014/main" id="{2B84CCF7-C0D6-41D5-82CB-38920D61F6EB}"/>
+              </a:ext>
+            </a:extLst>
+          </p:cNvPr>
+          <p:cNvSpPr>
+            <a:spLocks noGrp="1"/>
+          </p:cNvSpPr>
+          <p:nvPr>
+            <p:ph type="title"/>
+          </p:nvPr>
+        </p:nvSpPr>
+        <p:spPr>
+          <a:xfrm>
+            <a:off x="838200" y="365125"/>
+            <a:ext cx="10515600" cy="582831"/>
+          </a:xfrm>
+        </p:spPr>
+        <p:txBody>
+          <a:bodyPr>
+            <a:normAutofit fontScale="90000"/>
+          </a:bodyPr>
+          <a:lstStyle/>
+          <a:p>
+            <a:r>
+              <a:rPr lang="ru-RU" dirty="0"/>
+              <a:t>Пример циклических ссылок</a:t>
+            </a:r>
+          </a:p>
+        </p:txBody>
+      </p:sp>
+      <p:sp>
+        <p:nvSpPr>
+          <p:cNvPr id="3" name="Объект 2">
+            <a:extLst>
+              <a:ext uri="{FF2B5EF4-FFF2-40B4-BE49-F238E27FC236}">
+                <a16:creationId xmlns:a16="http://schemas.microsoft.com/office/drawing/2014/main" id="{46381364-7D76-49B2-B0E6-DF86A12FF558}"/>
+              </a:ext>
+            </a:extLst>
+          </p:cNvPr>
+          <p:cNvSpPr>
+            <a:spLocks noGrp="1"/>
+          </p:cNvSpPr>
+          <p:nvPr>
+            <p:ph idx="1"/>
+          </p:nvPr>
+        </p:nvSpPr>
+        <p:spPr>
+          <a:xfrm>
+            <a:off x="838200" y="1090569"/>
+            <a:ext cx="10515600" cy="5402306"/>
+          </a:xfrm>
+        </p:spPr>
+        <p:txBody>
+          <a:bodyPr>
+            <a:normAutofit lnSpcReduction="10000"/>
+          </a:bodyPr>
+          <a:lstStyle/>
+          <a:p>
+            <a:pPr marL="0" indent="0">
+              <a:buNone/>
+            </a:pPr>
+            <a:r>
+              <a:rPr lang="en-US" sz="1800" dirty="0">
+                <a:solidFill>
+                  <a:srgbClr val="808080"/>
+                </a:solidFill>
+                <a:highlight>
+                  <a:srgbClr val="FFFFFF"/>
+                </a:highlight>
+                <a:latin typeface="Consolas" panose="020B0609020204030204" pitchFamily="49" charset="0"/>
+              </a:rPr>
+              <a:t>#include</a:t>
+            </a:r>
+            <a:r>
+              <a:rPr lang="en-US" sz="1800" dirty="0">
+                <a:solidFill>
+                  <a:srgbClr val="000000"/>
+                </a:solidFill>
+                <a:highlight>
+                  <a:srgbClr val="FFFFFF"/>
+                </a:highlight>
+                <a:latin typeface="Consolas" panose="020B0609020204030204" pitchFamily="49" charset="0"/>
+              </a:rPr>
+              <a:t> </a:t>
+            </a:r>
+            <a:r>
+              <a:rPr lang="en-US" sz="1800" dirty="0">
+                <a:solidFill>
+                  <a:srgbClr val="A31515"/>
+                </a:solidFill>
+                <a:highlight>
+                  <a:srgbClr val="FFFFFF"/>
+                </a:highlight>
+                <a:latin typeface="Consolas" panose="020B0609020204030204" pitchFamily="49" charset="0"/>
+              </a:rPr>
+              <a:t>&lt;iostream&gt;</a:t>
+            </a:r>
+            <a:br>
+              <a:rPr lang="ru-RU" sz="1800" dirty="0">
+                <a:solidFill>
+                  <a:srgbClr val="000000"/>
+                </a:solidFill>
+                <a:highlight>
+                  <a:srgbClr val="FFFFFF"/>
+                </a:highlight>
+                <a:latin typeface="Consolas" panose="020B0609020204030204" pitchFamily="49" charset="0"/>
+              </a:rPr>
+            </a:br>
+            <a:r>
+              <a:rPr lang="en-US" sz="1800" dirty="0">
+                <a:solidFill>
+                  <a:srgbClr val="808080"/>
+                </a:solidFill>
+                <a:highlight>
+                  <a:srgbClr val="FFFFFF"/>
+                </a:highlight>
+                <a:latin typeface="Consolas" panose="020B0609020204030204" pitchFamily="49" charset="0"/>
+              </a:rPr>
+              <a:t>#include</a:t>
+            </a:r>
+            <a:r>
+              <a:rPr lang="en-US" sz="1800" dirty="0">
+                <a:solidFill>
+                  <a:srgbClr val="000000"/>
+                </a:solidFill>
+                <a:highlight>
+                  <a:srgbClr val="FFFFFF"/>
+                </a:highlight>
+                <a:latin typeface="Consolas" panose="020B0609020204030204" pitchFamily="49" charset="0"/>
+              </a:rPr>
+              <a:t> </a:t>
+            </a:r>
+            <a:r>
+              <a:rPr lang="en-US" sz="1800" dirty="0">
+                <a:solidFill>
+                  <a:srgbClr val="A31515"/>
+                </a:solidFill>
+                <a:highlight>
+                  <a:srgbClr val="FFFFFF"/>
+                </a:highlight>
+                <a:latin typeface="Consolas" panose="020B0609020204030204" pitchFamily="49" charset="0"/>
+              </a:rPr>
+              <a:t>&lt;memory&gt;</a:t>
+            </a:r>
+            <a:endParaRPr lang="en-US" sz="1800" dirty="0">
+              <a:solidFill>
+                <a:srgbClr val="000000"/>
+              </a:solidFill>
+              <a:highlight>
+                <a:srgbClr val="FFFFFF"/>
+              </a:highlight>
+              <a:latin typeface="Consolas" panose="020B0609020204030204" pitchFamily="49" charset="0"/>
+            </a:endParaRPr>
+          </a:p>
+          <a:p>
+            <a:pPr marL="0" indent="0">
+              <a:buNone/>
+            </a:pPr>
+            <a:r>
+              <a:rPr lang="en-US" sz="1800" dirty="0">
+                <a:solidFill>
+                  <a:srgbClr val="0000FF"/>
+                </a:solidFill>
+                <a:highlight>
+                  <a:srgbClr val="FFFFFF"/>
+                </a:highlight>
+                <a:latin typeface="Consolas" panose="020B0609020204030204" pitchFamily="49" charset="0"/>
+              </a:rPr>
+              <a:t>struct</a:t>
+            </a:r>
+            <a:r>
+              <a:rPr lang="en-US" sz="1800" dirty="0">
+                <a:solidFill>
+                  <a:srgbClr val="000000"/>
+                </a:solidFill>
+                <a:highlight>
+                  <a:srgbClr val="FFFFFF"/>
+                </a:highlight>
+                <a:latin typeface="Consolas" panose="020B0609020204030204" pitchFamily="49" charset="0"/>
+              </a:rPr>
+              <a:t> </a:t>
+            </a:r>
+            <a:r>
+              <a:rPr lang="en-US" sz="1800" dirty="0">
+                <a:solidFill>
+                  <a:srgbClr val="2B91AF"/>
+                </a:solidFill>
+                <a:highlight>
+                  <a:srgbClr val="FFFFFF"/>
+                </a:highlight>
+                <a:latin typeface="Consolas" panose="020B0609020204030204" pitchFamily="49" charset="0"/>
+              </a:rPr>
+              <a:t>B</a:t>
+            </a:r>
+            <a:r>
+              <a:rPr lang="en-US" sz="1800" dirty="0">
+                <a:solidFill>
+                  <a:srgbClr val="000000"/>
+                </a:solidFill>
+                <a:highlight>
+                  <a:srgbClr val="FFFFFF"/>
+                </a:highlight>
+                <a:latin typeface="Consolas" panose="020B0609020204030204" pitchFamily="49" charset="0"/>
+              </a:rPr>
+              <a:t>;</a:t>
+            </a:r>
+          </a:p>
+          <a:p>
+            <a:pPr marL="0" indent="0">
+              <a:buNone/>
+            </a:pPr>
+            <a:r>
+              <a:rPr lang="en-US" sz="1800" dirty="0">
+                <a:solidFill>
+                  <a:srgbClr val="0000FF"/>
+                </a:solidFill>
+                <a:highlight>
+                  <a:srgbClr val="FFFFFF"/>
+                </a:highlight>
+                <a:latin typeface="Consolas" panose="020B0609020204030204" pitchFamily="49" charset="0"/>
+              </a:rPr>
+              <a:t>struct</a:t>
+            </a:r>
+            <a:r>
+              <a:rPr lang="en-US" sz="1800" dirty="0">
+                <a:solidFill>
+                  <a:srgbClr val="000000"/>
+                </a:solidFill>
+                <a:highlight>
+                  <a:srgbClr val="FFFFFF"/>
+                </a:highlight>
+                <a:latin typeface="Consolas" panose="020B0609020204030204" pitchFamily="49" charset="0"/>
+              </a:rPr>
+              <a:t> </a:t>
+            </a:r>
+            <a:r>
+              <a:rPr lang="en-US" sz="1800" dirty="0">
+                <a:solidFill>
+                  <a:srgbClr val="2B91AF"/>
+                </a:solidFill>
+                <a:highlight>
+                  <a:srgbClr val="FFFFFF"/>
+                </a:highlight>
+                <a:latin typeface="Consolas" panose="020B0609020204030204" pitchFamily="49" charset="0"/>
+              </a:rPr>
+              <a:t>A</a:t>
+            </a:r>
+            <a:r>
+              <a:rPr lang="en-US" sz="1800" dirty="0">
+                <a:solidFill>
+                  <a:srgbClr val="000000"/>
+                </a:solidFill>
+                <a:highlight>
+                  <a:srgbClr val="FFFFFF"/>
+                </a:highlight>
+                <a:latin typeface="Consolas" panose="020B0609020204030204" pitchFamily="49" charset="0"/>
+              </a:rPr>
+              <a:t> {</a:t>
+            </a:r>
+            <a:br>
+              <a:rPr lang="ru-RU" sz="1800" dirty="0">
+                <a:solidFill>
+                  <a:srgbClr val="000000"/>
+                </a:solidFill>
+                <a:highlight>
+                  <a:srgbClr val="FFFFFF"/>
+                </a:highlight>
+                <a:latin typeface="Consolas" panose="020B0609020204030204" pitchFamily="49" charset="0"/>
+              </a:rPr>
+            </a:br>
+            <a:r>
+              <a:rPr lang="ru-RU" sz="1800" dirty="0">
+                <a:solidFill>
+                  <a:srgbClr val="000000"/>
+                </a:solidFill>
+                <a:highlight>
+                  <a:srgbClr val="FFFFFF"/>
+                </a:highlight>
+                <a:latin typeface="Consolas" panose="020B0609020204030204" pitchFamily="49" charset="0"/>
+              </a:rPr>
+              <a:t>   </a:t>
+            </a:r>
+            <a:r>
+              <a:rPr lang="en-US" sz="1800" dirty="0">
+                <a:solidFill>
+                  <a:srgbClr val="000000"/>
+                </a:solidFill>
+                <a:highlight>
+                  <a:srgbClr val="FFFFFF"/>
+                </a:highlight>
+                <a:latin typeface="Consolas" panose="020B0609020204030204" pitchFamily="49" charset="0"/>
+              </a:rPr>
+              <a:t>std::</a:t>
+            </a:r>
+            <a:r>
+              <a:rPr lang="en-US" sz="1800" dirty="0" err="1">
+                <a:solidFill>
+                  <a:srgbClr val="2B91AF"/>
+                </a:solidFill>
+                <a:highlight>
+                  <a:srgbClr val="FFFFFF"/>
+                </a:highlight>
+                <a:latin typeface="Consolas" panose="020B0609020204030204" pitchFamily="49" charset="0"/>
+              </a:rPr>
+              <a:t>shared_ptr</a:t>
+            </a:r>
+            <a:r>
+              <a:rPr lang="en-US" sz="1800" dirty="0">
+                <a:solidFill>
+                  <a:srgbClr val="000000"/>
+                </a:solidFill>
+                <a:highlight>
+                  <a:srgbClr val="FFFFFF"/>
+                </a:highlight>
+                <a:latin typeface="Consolas" panose="020B0609020204030204" pitchFamily="49" charset="0"/>
+              </a:rPr>
+              <a:t>&lt;</a:t>
+            </a:r>
+            <a:r>
+              <a:rPr lang="en-US" sz="1800" dirty="0">
+                <a:solidFill>
+                  <a:srgbClr val="2B91AF"/>
+                </a:solidFill>
+                <a:highlight>
+                  <a:srgbClr val="FFFFFF"/>
+                </a:highlight>
+                <a:latin typeface="Consolas" panose="020B0609020204030204" pitchFamily="49" charset="0"/>
+              </a:rPr>
+              <a:t>B</a:t>
+            </a:r>
+            <a:r>
+              <a:rPr lang="en-US" sz="1800" dirty="0">
+                <a:solidFill>
+                  <a:srgbClr val="000000"/>
+                </a:solidFill>
+                <a:highlight>
+                  <a:srgbClr val="FFFFFF"/>
+                </a:highlight>
+                <a:latin typeface="Consolas" panose="020B0609020204030204" pitchFamily="49" charset="0"/>
+              </a:rPr>
+              <a:t>&gt; b;</a:t>
+            </a:r>
+            <a:br>
+              <a:rPr lang="ru-RU" sz="1800" dirty="0">
+                <a:solidFill>
+                  <a:srgbClr val="000000"/>
+                </a:solidFill>
+                <a:highlight>
+                  <a:srgbClr val="FFFFFF"/>
+                </a:highlight>
+                <a:latin typeface="Consolas" panose="020B0609020204030204" pitchFamily="49" charset="0"/>
+              </a:rPr>
+            </a:br>
+            <a:r>
+              <a:rPr lang="ru-RU" sz="1800" dirty="0">
+                <a:solidFill>
+                  <a:srgbClr val="000000"/>
+                </a:solidFill>
+                <a:highlight>
+                  <a:srgbClr val="FFFFFF"/>
+                </a:highlight>
+                <a:latin typeface="Consolas" panose="020B0609020204030204" pitchFamily="49" charset="0"/>
+              </a:rPr>
+              <a:t>   </a:t>
+            </a:r>
+            <a:r>
+              <a:rPr lang="en-US" sz="1800" dirty="0">
+                <a:solidFill>
+                  <a:srgbClr val="000000"/>
+                </a:solidFill>
+                <a:highlight>
+                  <a:srgbClr val="FFFFFF"/>
+                </a:highlight>
+                <a:latin typeface="Consolas" panose="020B0609020204030204" pitchFamily="49" charset="0"/>
+              </a:rPr>
+              <a:t>~A() { std::</a:t>
+            </a:r>
+            <a:r>
+              <a:rPr lang="en-US" sz="1800" dirty="0" err="1">
+                <a:solidFill>
+                  <a:srgbClr val="000000"/>
+                </a:solidFill>
+                <a:highlight>
+                  <a:srgbClr val="FFFFFF"/>
+                </a:highlight>
+                <a:latin typeface="Consolas" panose="020B0609020204030204" pitchFamily="49" charset="0"/>
+              </a:rPr>
+              <a:t>cout</a:t>
+            </a:r>
+            <a:r>
+              <a:rPr lang="en-US" sz="1800" dirty="0">
+                <a:solidFill>
+                  <a:srgbClr val="000000"/>
+                </a:solidFill>
+                <a:highlight>
+                  <a:srgbClr val="FFFFFF"/>
+                </a:highlight>
+                <a:latin typeface="Consolas" panose="020B0609020204030204" pitchFamily="49" charset="0"/>
+              </a:rPr>
+              <a:t> </a:t>
+            </a:r>
+            <a:r>
+              <a:rPr lang="en-US" sz="1800" dirty="0">
+                <a:solidFill>
+                  <a:srgbClr val="008080"/>
+                </a:solidFill>
+                <a:highlight>
+                  <a:srgbClr val="FFFFFF"/>
+                </a:highlight>
+                <a:latin typeface="Consolas" panose="020B0609020204030204" pitchFamily="49" charset="0"/>
+              </a:rPr>
+              <a:t>&lt;&lt;</a:t>
+            </a:r>
+            <a:r>
+              <a:rPr lang="en-US" sz="1800" dirty="0">
+                <a:solidFill>
+                  <a:srgbClr val="000000"/>
+                </a:solidFill>
+                <a:highlight>
+                  <a:srgbClr val="FFFFFF"/>
+                </a:highlight>
+                <a:latin typeface="Consolas" panose="020B0609020204030204" pitchFamily="49" charset="0"/>
+              </a:rPr>
+              <a:t> </a:t>
+            </a:r>
+            <a:r>
+              <a:rPr lang="en-US" sz="1800" dirty="0">
+                <a:solidFill>
+                  <a:srgbClr val="A31515"/>
+                </a:solidFill>
+                <a:highlight>
+                  <a:srgbClr val="FFFFFF"/>
+                </a:highlight>
+                <a:latin typeface="Consolas" panose="020B0609020204030204" pitchFamily="49" charset="0"/>
+              </a:rPr>
+              <a:t>"~A\n"</a:t>
+            </a:r>
+            <a:r>
+              <a:rPr lang="en-US" sz="1800" dirty="0">
+                <a:solidFill>
+                  <a:srgbClr val="000000"/>
+                </a:solidFill>
+                <a:highlight>
+                  <a:srgbClr val="FFFFFF"/>
+                </a:highlight>
+                <a:latin typeface="Consolas" panose="020B0609020204030204" pitchFamily="49" charset="0"/>
+              </a:rPr>
+              <a:t>; }</a:t>
+            </a:r>
+            <a:br>
+              <a:rPr lang="ru-RU" sz="1800" dirty="0">
+                <a:solidFill>
+                  <a:srgbClr val="000000"/>
+                </a:solidFill>
+                <a:highlight>
+                  <a:srgbClr val="FFFFFF"/>
+                </a:highlight>
+                <a:latin typeface="Consolas" panose="020B0609020204030204" pitchFamily="49" charset="0"/>
+              </a:rPr>
+            </a:br>
+            <a:r>
+              <a:rPr lang="ru-RU" sz="1800" dirty="0">
+                <a:solidFill>
+                  <a:srgbClr val="000000"/>
+                </a:solidFill>
+                <a:highlight>
+                  <a:srgbClr val="FFFFFF"/>
+                </a:highlight>
+                <a:latin typeface="Consolas" panose="020B0609020204030204" pitchFamily="49" charset="0"/>
+              </a:rPr>
+              <a:t>};</a:t>
+            </a:r>
+          </a:p>
+          <a:p>
+            <a:pPr marL="0" indent="0">
+              <a:buNone/>
+            </a:pPr>
+            <a:r>
+              <a:rPr lang="en-US" sz="1800" dirty="0">
+                <a:solidFill>
+                  <a:srgbClr val="0000FF"/>
+                </a:solidFill>
+                <a:highlight>
+                  <a:srgbClr val="FFFFFF"/>
+                </a:highlight>
+                <a:latin typeface="Consolas" panose="020B0609020204030204" pitchFamily="49" charset="0"/>
+              </a:rPr>
+              <a:t>struct</a:t>
+            </a:r>
+            <a:r>
+              <a:rPr lang="en-US" sz="1800" dirty="0">
+                <a:solidFill>
+                  <a:srgbClr val="000000"/>
+                </a:solidFill>
+                <a:highlight>
+                  <a:srgbClr val="FFFFFF"/>
+                </a:highlight>
+                <a:latin typeface="Consolas" panose="020B0609020204030204" pitchFamily="49" charset="0"/>
+              </a:rPr>
+              <a:t> </a:t>
+            </a:r>
+            <a:r>
+              <a:rPr lang="en-US" sz="1800" dirty="0">
+                <a:solidFill>
+                  <a:srgbClr val="2B91AF"/>
+                </a:solidFill>
+                <a:highlight>
+                  <a:srgbClr val="FFFFFF"/>
+                </a:highlight>
+                <a:latin typeface="Consolas" panose="020B0609020204030204" pitchFamily="49" charset="0"/>
+              </a:rPr>
+              <a:t>B</a:t>
+            </a:r>
+            <a:r>
+              <a:rPr lang="en-US" sz="1800" dirty="0">
+                <a:solidFill>
+                  <a:srgbClr val="000000"/>
+                </a:solidFill>
+                <a:highlight>
+                  <a:srgbClr val="FFFFFF"/>
+                </a:highlight>
+                <a:latin typeface="Consolas" panose="020B0609020204030204" pitchFamily="49" charset="0"/>
+              </a:rPr>
+              <a:t> {</a:t>
+            </a:r>
+            <a:br>
+              <a:rPr lang="ru-RU" sz="1800" dirty="0">
+                <a:solidFill>
+                  <a:srgbClr val="000000"/>
+                </a:solidFill>
+                <a:highlight>
+                  <a:srgbClr val="FFFFFF"/>
+                </a:highlight>
+                <a:latin typeface="Consolas" panose="020B0609020204030204" pitchFamily="49" charset="0"/>
+              </a:rPr>
+            </a:br>
+            <a:r>
+              <a:rPr lang="ru-RU" sz="1800" dirty="0">
+                <a:solidFill>
+                  <a:srgbClr val="000000"/>
+                </a:solidFill>
+                <a:highlight>
+                  <a:srgbClr val="FFFFFF"/>
+                </a:highlight>
+                <a:latin typeface="Consolas" panose="020B0609020204030204" pitchFamily="49" charset="0"/>
+              </a:rPr>
+              <a:t>   </a:t>
+            </a:r>
+            <a:r>
+              <a:rPr lang="en-US" sz="1800" dirty="0">
+                <a:solidFill>
+                  <a:srgbClr val="000000"/>
+                </a:solidFill>
+                <a:highlight>
+                  <a:srgbClr val="FFFFFF"/>
+                </a:highlight>
+                <a:latin typeface="Consolas" panose="020B0609020204030204" pitchFamily="49" charset="0"/>
+              </a:rPr>
+              <a:t>std::</a:t>
+            </a:r>
+            <a:r>
+              <a:rPr lang="en-US" sz="1800" dirty="0" err="1">
+                <a:solidFill>
+                  <a:srgbClr val="2B91AF"/>
+                </a:solidFill>
+                <a:highlight>
+                  <a:srgbClr val="FFFFFF"/>
+                </a:highlight>
+                <a:latin typeface="Consolas" panose="020B0609020204030204" pitchFamily="49" charset="0"/>
+              </a:rPr>
+              <a:t>shared_ptr</a:t>
+            </a:r>
+            <a:r>
+              <a:rPr lang="en-US" sz="1800" dirty="0">
+                <a:solidFill>
+                  <a:srgbClr val="000000"/>
+                </a:solidFill>
+                <a:highlight>
+                  <a:srgbClr val="FFFFFF"/>
+                </a:highlight>
+                <a:latin typeface="Consolas" panose="020B0609020204030204" pitchFamily="49" charset="0"/>
+              </a:rPr>
+              <a:t>&lt;</a:t>
+            </a:r>
+            <a:r>
+              <a:rPr lang="en-US" sz="1800" dirty="0">
+                <a:solidFill>
+                  <a:srgbClr val="2B91AF"/>
+                </a:solidFill>
+                <a:highlight>
+                  <a:srgbClr val="FFFFFF"/>
+                </a:highlight>
+                <a:latin typeface="Consolas" panose="020B0609020204030204" pitchFamily="49" charset="0"/>
+              </a:rPr>
+              <a:t>A</a:t>
+            </a:r>
+            <a:r>
+              <a:rPr lang="en-US" sz="1800" dirty="0">
+                <a:solidFill>
+                  <a:srgbClr val="000000"/>
+                </a:solidFill>
+                <a:highlight>
+                  <a:srgbClr val="FFFFFF"/>
+                </a:highlight>
+                <a:latin typeface="Consolas" panose="020B0609020204030204" pitchFamily="49" charset="0"/>
+              </a:rPr>
+              <a:t>&gt; a;</a:t>
+            </a:r>
+            <a:br>
+              <a:rPr lang="ru-RU" sz="1800" dirty="0">
+                <a:solidFill>
+                  <a:srgbClr val="000000"/>
+                </a:solidFill>
+                <a:highlight>
+                  <a:srgbClr val="FFFFFF"/>
+                </a:highlight>
+                <a:latin typeface="Consolas" panose="020B0609020204030204" pitchFamily="49" charset="0"/>
+              </a:rPr>
+            </a:br>
+            <a:r>
+              <a:rPr lang="ru-RU" sz="1800" dirty="0">
+                <a:solidFill>
+                  <a:srgbClr val="000000"/>
+                </a:solidFill>
+                <a:highlight>
+                  <a:srgbClr val="FFFFFF"/>
+                </a:highlight>
+                <a:latin typeface="Consolas" panose="020B0609020204030204" pitchFamily="49" charset="0"/>
+              </a:rPr>
+              <a:t>   </a:t>
+            </a:r>
+            <a:r>
+              <a:rPr lang="en-US" sz="1800" dirty="0">
+                <a:solidFill>
+                  <a:srgbClr val="000000"/>
+                </a:solidFill>
+                <a:highlight>
+                  <a:srgbClr val="FFFFFF"/>
+                </a:highlight>
+                <a:latin typeface="Consolas" panose="020B0609020204030204" pitchFamily="49" charset="0"/>
+              </a:rPr>
+              <a:t>~B() { std::</a:t>
+            </a:r>
+            <a:r>
+              <a:rPr lang="en-US" sz="1800" dirty="0" err="1">
+                <a:solidFill>
+                  <a:srgbClr val="000000"/>
+                </a:solidFill>
+                <a:highlight>
+                  <a:srgbClr val="FFFFFF"/>
+                </a:highlight>
+                <a:latin typeface="Consolas" panose="020B0609020204030204" pitchFamily="49" charset="0"/>
+              </a:rPr>
+              <a:t>cout</a:t>
+            </a:r>
+            <a:r>
+              <a:rPr lang="en-US" sz="1800" dirty="0">
+                <a:solidFill>
+                  <a:srgbClr val="000000"/>
+                </a:solidFill>
+                <a:highlight>
+                  <a:srgbClr val="FFFFFF"/>
+                </a:highlight>
+                <a:latin typeface="Consolas" panose="020B0609020204030204" pitchFamily="49" charset="0"/>
+              </a:rPr>
+              <a:t> </a:t>
+            </a:r>
+            <a:r>
+              <a:rPr lang="en-US" sz="1800" dirty="0">
+                <a:solidFill>
+                  <a:srgbClr val="008080"/>
+                </a:solidFill>
+                <a:highlight>
+                  <a:srgbClr val="FFFFFF"/>
+                </a:highlight>
+                <a:latin typeface="Consolas" panose="020B0609020204030204" pitchFamily="49" charset="0"/>
+              </a:rPr>
+              <a:t>&lt;&lt;</a:t>
+            </a:r>
+            <a:r>
+              <a:rPr lang="en-US" sz="1800" dirty="0">
+                <a:solidFill>
+                  <a:srgbClr val="000000"/>
+                </a:solidFill>
+                <a:highlight>
+                  <a:srgbClr val="FFFFFF"/>
+                </a:highlight>
+                <a:latin typeface="Consolas" panose="020B0609020204030204" pitchFamily="49" charset="0"/>
+              </a:rPr>
+              <a:t> </a:t>
+            </a:r>
+            <a:r>
+              <a:rPr lang="en-US" sz="1800" dirty="0">
+                <a:solidFill>
+                  <a:srgbClr val="A31515"/>
+                </a:solidFill>
+                <a:highlight>
+                  <a:srgbClr val="FFFFFF"/>
+                </a:highlight>
+                <a:latin typeface="Consolas" panose="020B0609020204030204" pitchFamily="49" charset="0"/>
+              </a:rPr>
+              <a:t>"~B\n"</a:t>
+            </a:r>
+            <a:r>
+              <a:rPr lang="en-US" sz="1800" dirty="0">
+                <a:solidFill>
+                  <a:srgbClr val="000000"/>
+                </a:solidFill>
+                <a:highlight>
+                  <a:srgbClr val="FFFFFF"/>
+                </a:highlight>
+                <a:latin typeface="Consolas" panose="020B0609020204030204" pitchFamily="49" charset="0"/>
+              </a:rPr>
+              <a:t>; }</a:t>
+            </a:r>
+            <a:br>
+              <a:rPr lang="ru-RU" sz="1800" dirty="0">
+                <a:solidFill>
+                  <a:srgbClr val="000000"/>
+                </a:solidFill>
+                <a:highlight>
+                  <a:srgbClr val="FFFFFF"/>
+                </a:highlight>
+                <a:latin typeface="Consolas" panose="020B0609020204030204" pitchFamily="49" charset="0"/>
+              </a:rPr>
+            </a:br>
+            <a:r>
+              <a:rPr lang="ru-RU" sz="1800" dirty="0">
+                <a:solidFill>
+                  <a:srgbClr val="000000"/>
+                </a:solidFill>
+                <a:highlight>
+                  <a:srgbClr val="FFFFFF"/>
+                </a:highlight>
+                <a:latin typeface="Consolas" panose="020B0609020204030204" pitchFamily="49" charset="0"/>
+              </a:rPr>
+              <a:t>};</a:t>
+            </a:r>
+          </a:p>
+          <a:p>
+            <a:pPr marL="0" indent="0">
+              <a:buNone/>
+            </a:pPr>
+            <a:r>
+              <a:rPr lang="en-US" sz="1800" dirty="0">
+                <a:solidFill>
+                  <a:srgbClr val="0000FF"/>
+                </a:solidFill>
+                <a:highlight>
+                  <a:srgbClr val="FFFFFF"/>
+                </a:highlight>
+                <a:latin typeface="Consolas" panose="020B0609020204030204" pitchFamily="49" charset="0"/>
+              </a:rPr>
+              <a:t>int</a:t>
+            </a:r>
+            <a:r>
+              <a:rPr lang="en-US" sz="1800" dirty="0">
+                <a:solidFill>
+                  <a:srgbClr val="000000"/>
+                </a:solidFill>
+                <a:highlight>
+                  <a:srgbClr val="FFFFFF"/>
+                </a:highlight>
+                <a:latin typeface="Consolas" panose="020B0609020204030204" pitchFamily="49" charset="0"/>
+              </a:rPr>
+              <a:t> main()</a:t>
+            </a:r>
+            <a:r>
+              <a:rPr lang="ru-RU" sz="1800" dirty="0">
+                <a:solidFill>
+                  <a:srgbClr val="000000"/>
+                </a:solidFill>
+                <a:highlight>
+                  <a:srgbClr val="FFFFFF"/>
+                </a:highlight>
+                <a:latin typeface="Consolas" panose="020B0609020204030204" pitchFamily="49" charset="0"/>
+              </a:rPr>
+              <a:t>{</a:t>
+            </a:r>
+            <a:br>
+              <a:rPr lang="ru-RU" sz="1800" dirty="0">
+                <a:solidFill>
+                  <a:srgbClr val="000000"/>
+                </a:solidFill>
+                <a:highlight>
+                  <a:srgbClr val="FFFFFF"/>
+                </a:highlight>
+                <a:latin typeface="Consolas" panose="020B0609020204030204" pitchFamily="49" charset="0"/>
+              </a:rPr>
+            </a:br>
+            <a:r>
+              <a:rPr lang="ru-RU" sz="1800" dirty="0">
+                <a:solidFill>
+                  <a:srgbClr val="000000"/>
+                </a:solidFill>
+                <a:highlight>
+                  <a:srgbClr val="FFFFFF"/>
+                </a:highlight>
+                <a:latin typeface="Consolas" panose="020B0609020204030204" pitchFamily="49" charset="0"/>
+              </a:rPr>
+              <a:t>{</a:t>
+            </a:r>
+            <a:br>
+              <a:rPr lang="ru-RU" sz="1800" dirty="0">
+                <a:solidFill>
+                  <a:srgbClr val="000000"/>
+                </a:solidFill>
+                <a:highlight>
+                  <a:srgbClr val="FFFFFF"/>
+                </a:highlight>
+                <a:latin typeface="Consolas" panose="020B0609020204030204" pitchFamily="49" charset="0"/>
+              </a:rPr>
+            </a:br>
+            <a:r>
+              <a:rPr lang="ru-RU" sz="1800" dirty="0">
+                <a:solidFill>
+                  <a:srgbClr val="000000"/>
+                </a:solidFill>
+                <a:highlight>
+                  <a:srgbClr val="FFFFFF"/>
+                </a:highlight>
+                <a:latin typeface="Consolas" panose="020B0609020204030204" pitchFamily="49" charset="0"/>
+              </a:rPr>
+              <a:t>   </a:t>
+            </a:r>
+            <a:r>
+              <a:rPr lang="en-US" sz="1800" dirty="0">
+                <a:solidFill>
+                  <a:srgbClr val="0000FF"/>
+                </a:solidFill>
+                <a:highlight>
+                  <a:srgbClr val="FFFFFF"/>
+                </a:highlight>
+                <a:latin typeface="Consolas" panose="020B0609020204030204" pitchFamily="49" charset="0"/>
+              </a:rPr>
+              <a:t>auto</a:t>
+            </a:r>
+            <a:r>
+              <a:rPr lang="en-US" sz="1800" dirty="0">
+                <a:solidFill>
+                  <a:srgbClr val="000000"/>
+                </a:solidFill>
+                <a:highlight>
+                  <a:srgbClr val="FFFFFF"/>
+                </a:highlight>
+                <a:latin typeface="Consolas" panose="020B0609020204030204" pitchFamily="49" charset="0"/>
+              </a:rPr>
+              <a:t> a = std::</a:t>
+            </a:r>
+            <a:r>
+              <a:rPr lang="en-US" sz="1800" dirty="0" err="1">
+                <a:solidFill>
+                  <a:srgbClr val="000000"/>
+                </a:solidFill>
+                <a:highlight>
+                  <a:srgbClr val="FFFFFF"/>
+                </a:highlight>
+                <a:latin typeface="Consolas" panose="020B0609020204030204" pitchFamily="49" charset="0"/>
+              </a:rPr>
+              <a:t>make_shared</a:t>
+            </a:r>
+            <a:r>
+              <a:rPr lang="en-US" sz="1800" dirty="0">
+                <a:solidFill>
+                  <a:srgbClr val="000000"/>
+                </a:solidFill>
+                <a:highlight>
+                  <a:srgbClr val="FFFFFF"/>
+                </a:highlight>
+                <a:latin typeface="Consolas" panose="020B0609020204030204" pitchFamily="49" charset="0"/>
+              </a:rPr>
+              <a:t>&lt;</a:t>
+            </a:r>
+            <a:r>
+              <a:rPr lang="en-US" sz="1800" dirty="0">
+                <a:solidFill>
+                  <a:srgbClr val="2B91AF"/>
+                </a:solidFill>
+                <a:highlight>
+                  <a:srgbClr val="FFFFFF"/>
+                </a:highlight>
+                <a:latin typeface="Consolas" panose="020B0609020204030204" pitchFamily="49" charset="0"/>
+              </a:rPr>
+              <a:t>A</a:t>
+            </a:r>
+            <a:r>
+              <a:rPr lang="en-US" sz="1800" dirty="0">
+                <a:solidFill>
+                  <a:srgbClr val="000000"/>
+                </a:solidFill>
+                <a:highlight>
+                  <a:srgbClr val="FFFFFF"/>
+                </a:highlight>
+                <a:latin typeface="Consolas" panose="020B0609020204030204" pitchFamily="49" charset="0"/>
+              </a:rPr>
+              <a:t>&gt;();</a:t>
+            </a:r>
+            <a:br>
+              <a:rPr lang="ru-RU" sz="1800" dirty="0">
+                <a:solidFill>
+                  <a:srgbClr val="000000"/>
+                </a:solidFill>
+                <a:highlight>
+                  <a:srgbClr val="FFFFFF"/>
+                </a:highlight>
+                <a:latin typeface="Consolas" panose="020B0609020204030204" pitchFamily="49" charset="0"/>
+              </a:rPr>
+            </a:br>
+            <a:r>
+              <a:rPr lang="ru-RU" sz="1800" dirty="0">
+                <a:solidFill>
+                  <a:srgbClr val="000000"/>
+                </a:solidFill>
+                <a:highlight>
+                  <a:srgbClr val="FFFFFF"/>
+                </a:highlight>
+                <a:latin typeface="Consolas" panose="020B0609020204030204" pitchFamily="49" charset="0"/>
+              </a:rPr>
+              <a:t>   </a:t>
+            </a:r>
+            <a:r>
+              <a:rPr lang="en-US" sz="1800" dirty="0">
+                <a:solidFill>
+                  <a:srgbClr val="0000FF"/>
+                </a:solidFill>
+                <a:highlight>
+                  <a:srgbClr val="FFFFFF"/>
+                </a:highlight>
+                <a:latin typeface="Consolas" panose="020B0609020204030204" pitchFamily="49" charset="0"/>
+              </a:rPr>
+              <a:t>auto</a:t>
+            </a:r>
+            <a:r>
+              <a:rPr lang="en-US" sz="1800" dirty="0">
+                <a:solidFill>
+                  <a:srgbClr val="000000"/>
+                </a:solidFill>
+                <a:highlight>
+                  <a:srgbClr val="FFFFFF"/>
+                </a:highlight>
+                <a:latin typeface="Consolas" panose="020B0609020204030204" pitchFamily="49" charset="0"/>
+              </a:rPr>
+              <a:t> b = std::</a:t>
+            </a:r>
+            <a:r>
+              <a:rPr lang="en-US" sz="1800" dirty="0" err="1">
+                <a:solidFill>
+                  <a:srgbClr val="000000"/>
+                </a:solidFill>
+                <a:highlight>
+                  <a:srgbClr val="FFFFFF"/>
+                </a:highlight>
+                <a:latin typeface="Consolas" panose="020B0609020204030204" pitchFamily="49" charset="0"/>
+              </a:rPr>
+              <a:t>make_shared</a:t>
+            </a:r>
+            <a:r>
+              <a:rPr lang="en-US" sz="1800" dirty="0">
+                <a:solidFill>
+                  <a:srgbClr val="000000"/>
+                </a:solidFill>
+                <a:highlight>
+                  <a:srgbClr val="FFFFFF"/>
+                </a:highlight>
+                <a:latin typeface="Consolas" panose="020B0609020204030204" pitchFamily="49" charset="0"/>
+              </a:rPr>
+              <a:t>&lt;</a:t>
+            </a:r>
+            <a:r>
+              <a:rPr lang="en-US" sz="1800" dirty="0">
+                <a:solidFill>
+                  <a:srgbClr val="2B91AF"/>
+                </a:solidFill>
+                <a:highlight>
+                  <a:srgbClr val="FFFFFF"/>
+                </a:highlight>
+                <a:latin typeface="Consolas" panose="020B0609020204030204" pitchFamily="49" charset="0"/>
+              </a:rPr>
+              <a:t>B</a:t>
+            </a:r>
+            <a:r>
+              <a:rPr lang="en-US" sz="1800" dirty="0">
+                <a:solidFill>
+                  <a:srgbClr val="000000"/>
+                </a:solidFill>
+                <a:highlight>
+                  <a:srgbClr val="FFFFFF"/>
+                </a:highlight>
+                <a:latin typeface="Consolas" panose="020B0609020204030204" pitchFamily="49" charset="0"/>
+              </a:rPr>
+              <a:t>&gt;();</a:t>
+            </a:r>
+            <a:br>
+              <a:rPr lang="ru-RU" sz="1800" dirty="0">
+                <a:solidFill>
+                  <a:srgbClr val="000000"/>
+                </a:solidFill>
+                <a:highlight>
+                  <a:srgbClr val="FFFFFF"/>
+                </a:highlight>
+                <a:latin typeface="Consolas" panose="020B0609020204030204" pitchFamily="49" charset="0"/>
+              </a:rPr>
+            </a:br>
+            <a:r>
+              <a:rPr lang="ru-RU" sz="1800" dirty="0">
+                <a:solidFill>
+                  <a:srgbClr val="000000"/>
+                </a:solidFill>
+                <a:highlight>
+                  <a:srgbClr val="FFFFFF"/>
+                </a:highlight>
+                <a:latin typeface="Consolas" panose="020B0609020204030204" pitchFamily="49" charset="0"/>
+              </a:rPr>
+              <a:t>   </a:t>
+            </a:r>
+            <a:r>
+              <a:rPr lang="en-US" sz="1800" dirty="0">
+                <a:solidFill>
+                  <a:srgbClr val="000000"/>
+                </a:solidFill>
+                <a:highlight>
+                  <a:srgbClr val="FFFFFF"/>
+                </a:highlight>
+                <a:latin typeface="Consolas" panose="020B0609020204030204" pitchFamily="49" charset="0"/>
+              </a:rPr>
+              <a:t>a</a:t>
+            </a:r>
+            <a:r>
+              <a:rPr lang="en-US" sz="1800" dirty="0">
+                <a:solidFill>
+                  <a:srgbClr val="008080"/>
+                </a:solidFill>
+                <a:highlight>
+                  <a:srgbClr val="FFFFFF"/>
+                </a:highlight>
+                <a:latin typeface="Consolas" panose="020B0609020204030204" pitchFamily="49" charset="0"/>
+              </a:rPr>
+              <a:t>-&gt;</a:t>
+            </a:r>
+            <a:r>
+              <a:rPr lang="en-US" sz="1800" dirty="0">
+                <a:solidFill>
+                  <a:srgbClr val="000000"/>
+                </a:solidFill>
+                <a:highlight>
+                  <a:srgbClr val="FFFFFF"/>
+                </a:highlight>
+                <a:latin typeface="Consolas" panose="020B0609020204030204" pitchFamily="49" charset="0"/>
+              </a:rPr>
+              <a:t>b </a:t>
+            </a:r>
+            <a:r>
+              <a:rPr lang="en-US" sz="1800" dirty="0">
+                <a:solidFill>
+                  <a:srgbClr val="008080"/>
+                </a:solidFill>
+                <a:highlight>
+                  <a:srgbClr val="FFFFFF"/>
+                </a:highlight>
+                <a:latin typeface="Consolas" panose="020B0609020204030204" pitchFamily="49" charset="0"/>
+              </a:rPr>
+              <a:t>=</a:t>
+            </a:r>
+            <a:r>
+              <a:rPr lang="en-US" sz="1800" dirty="0">
+                <a:solidFill>
+                  <a:srgbClr val="000000"/>
+                </a:solidFill>
+                <a:highlight>
+                  <a:srgbClr val="FFFFFF"/>
+                </a:highlight>
+                <a:latin typeface="Consolas" panose="020B0609020204030204" pitchFamily="49" charset="0"/>
+              </a:rPr>
+              <a:t> b;</a:t>
+            </a:r>
+            <a:r>
+              <a:rPr lang="ru-RU" sz="1800" dirty="0">
+                <a:solidFill>
+                  <a:srgbClr val="000000"/>
+                </a:solidFill>
+                <a:highlight>
+                  <a:srgbClr val="FFFFFF"/>
+                </a:highlight>
+                <a:latin typeface="Consolas" panose="020B0609020204030204" pitchFamily="49" charset="0"/>
+              </a:rPr>
+              <a:t> </a:t>
+            </a:r>
+            <a:r>
+              <a:rPr lang="en-US" sz="1800" dirty="0">
+                <a:solidFill>
+                  <a:srgbClr val="000000"/>
+                </a:solidFill>
+                <a:highlight>
+                  <a:srgbClr val="FFFFFF"/>
+                </a:highlight>
+                <a:latin typeface="Consolas" panose="020B0609020204030204" pitchFamily="49" charset="0"/>
+              </a:rPr>
+              <a:t>b</a:t>
+            </a:r>
+            <a:r>
+              <a:rPr lang="en-US" sz="1800" dirty="0">
+                <a:solidFill>
+                  <a:srgbClr val="008080"/>
+                </a:solidFill>
+                <a:highlight>
+                  <a:srgbClr val="FFFFFF"/>
+                </a:highlight>
+                <a:latin typeface="Consolas" panose="020B0609020204030204" pitchFamily="49" charset="0"/>
+              </a:rPr>
+              <a:t>-&gt;</a:t>
+            </a:r>
+            <a:r>
+              <a:rPr lang="en-US" sz="1800" dirty="0">
+                <a:solidFill>
+                  <a:srgbClr val="000000"/>
+                </a:solidFill>
+                <a:highlight>
+                  <a:srgbClr val="FFFFFF"/>
+                </a:highlight>
+                <a:latin typeface="Consolas" panose="020B0609020204030204" pitchFamily="49" charset="0"/>
+              </a:rPr>
+              <a:t>a </a:t>
+            </a:r>
+            <a:r>
+              <a:rPr lang="en-US" sz="1800" dirty="0">
+                <a:solidFill>
+                  <a:srgbClr val="008080"/>
+                </a:solidFill>
+                <a:highlight>
+                  <a:srgbClr val="FFFFFF"/>
+                </a:highlight>
+                <a:latin typeface="Consolas" panose="020B0609020204030204" pitchFamily="49" charset="0"/>
+              </a:rPr>
+              <a:t>=</a:t>
+            </a:r>
+            <a:r>
+              <a:rPr lang="en-US" sz="1800" dirty="0">
+                <a:solidFill>
+                  <a:srgbClr val="000000"/>
+                </a:solidFill>
+                <a:highlight>
+                  <a:srgbClr val="FFFFFF"/>
+                </a:highlight>
+                <a:latin typeface="Consolas" panose="020B0609020204030204" pitchFamily="49" charset="0"/>
+              </a:rPr>
+              <a:t> a;</a:t>
+            </a:r>
+            <a:br>
+              <a:rPr lang="ru-RU" sz="1800" dirty="0">
+                <a:solidFill>
+                  <a:srgbClr val="000000"/>
+                </a:solidFill>
+                <a:highlight>
+                  <a:srgbClr val="FFFFFF"/>
+                </a:highlight>
+                <a:latin typeface="Consolas" panose="020B0609020204030204" pitchFamily="49" charset="0"/>
+              </a:rPr>
+            </a:br>
+            <a:r>
+              <a:rPr lang="ru-RU" sz="1800" dirty="0">
+                <a:solidFill>
+                  <a:srgbClr val="000000"/>
+                </a:solidFill>
+                <a:highlight>
+                  <a:srgbClr val="FFFFFF"/>
+                </a:highlight>
+                <a:latin typeface="Consolas" panose="020B0609020204030204" pitchFamily="49" charset="0"/>
+              </a:rPr>
+              <a:t>}</a:t>
+            </a:r>
+            <a:br>
+              <a:rPr lang="ru-RU" sz="1800" dirty="0">
+                <a:solidFill>
+                  <a:srgbClr val="000000"/>
+                </a:solidFill>
+                <a:highlight>
+                  <a:srgbClr val="FFFFFF"/>
+                </a:highlight>
+                <a:latin typeface="Consolas" panose="020B0609020204030204" pitchFamily="49" charset="0"/>
+              </a:rPr>
+            </a:br>
+            <a:r>
+              <a:rPr lang="ru-RU" sz="1800" dirty="0">
+                <a:solidFill>
+                  <a:srgbClr val="000000"/>
+                </a:solidFill>
+                <a:highlight>
+                  <a:srgbClr val="FFFFFF"/>
+                </a:highlight>
+                <a:latin typeface="Consolas" panose="020B0609020204030204" pitchFamily="49" charset="0"/>
+              </a:rPr>
+              <a:t>   </a:t>
+            </a:r>
+            <a:r>
+              <a:rPr lang="en-US" sz="1800" dirty="0">
+                <a:solidFill>
+                  <a:srgbClr val="000000"/>
+                </a:solidFill>
+                <a:highlight>
+                  <a:srgbClr val="FFFFFF"/>
+                </a:highlight>
+                <a:latin typeface="Consolas" panose="020B0609020204030204" pitchFamily="49" charset="0"/>
+              </a:rPr>
+              <a:t>std::</a:t>
+            </a:r>
+            <a:r>
+              <a:rPr lang="en-US" sz="1800" dirty="0" err="1">
+                <a:solidFill>
+                  <a:srgbClr val="000000"/>
+                </a:solidFill>
+                <a:highlight>
+                  <a:srgbClr val="FFFFFF"/>
+                </a:highlight>
+                <a:latin typeface="Consolas" panose="020B0609020204030204" pitchFamily="49" charset="0"/>
+              </a:rPr>
+              <a:t>cout</a:t>
+            </a:r>
+            <a:r>
+              <a:rPr lang="en-US" sz="1800" dirty="0">
+                <a:solidFill>
+                  <a:srgbClr val="000000"/>
+                </a:solidFill>
+                <a:highlight>
+                  <a:srgbClr val="FFFFFF"/>
+                </a:highlight>
+                <a:latin typeface="Consolas" panose="020B0609020204030204" pitchFamily="49" charset="0"/>
+              </a:rPr>
+              <a:t> </a:t>
+            </a:r>
+            <a:r>
+              <a:rPr lang="en-US" sz="1800" dirty="0">
+                <a:solidFill>
+                  <a:srgbClr val="008080"/>
+                </a:solidFill>
+                <a:highlight>
+                  <a:srgbClr val="FFFFFF"/>
+                </a:highlight>
+                <a:latin typeface="Consolas" panose="020B0609020204030204" pitchFamily="49" charset="0"/>
+              </a:rPr>
+              <a:t>&lt;&lt;</a:t>
+            </a:r>
+            <a:r>
+              <a:rPr lang="en-US" sz="1800" dirty="0">
+                <a:solidFill>
+                  <a:srgbClr val="000000"/>
+                </a:solidFill>
+                <a:highlight>
+                  <a:srgbClr val="FFFFFF"/>
+                </a:highlight>
+                <a:latin typeface="Consolas" panose="020B0609020204030204" pitchFamily="49" charset="0"/>
+              </a:rPr>
+              <a:t> </a:t>
+            </a:r>
+            <a:r>
+              <a:rPr lang="en-US" sz="1800" dirty="0">
+                <a:solidFill>
+                  <a:srgbClr val="A31515"/>
+                </a:solidFill>
+                <a:highlight>
+                  <a:srgbClr val="FFFFFF"/>
+                </a:highlight>
+                <a:latin typeface="Consolas" panose="020B0609020204030204" pitchFamily="49" charset="0"/>
+              </a:rPr>
+              <a:t>"end scope\n"</a:t>
+            </a:r>
+            <a:r>
+              <a:rPr lang="en-US" sz="1800" dirty="0">
+                <a:solidFill>
+                  <a:srgbClr val="000000"/>
+                </a:solidFill>
+                <a:highlight>
+                  <a:srgbClr val="FFFFFF"/>
+                </a:highlight>
+                <a:latin typeface="Consolas" panose="020B0609020204030204" pitchFamily="49" charset="0"/>
+              </a:rPr>
+              <a:t>; // </a:t>
+            </a:r>
+            <a:r>
+              <a:rPr lang="ru-RU" sz="1800" dirty="0">
+                <a:solidFill>
+                  <a:srgbClr val="000000"/>
+                </a:solidFill>
+                <a:highlight>
+                  <a:srgbClr val="FFFFFF"/>
+                </a:highlight>
+                <a:latin typeface="Consolas" panose="020B0609020204030204" pitchFamily="49" charset="0"/>
+              </a:rPr>
+              <a:t>деструкторы не будут вызваны!</a:t>
+            </a:r>
+            <a:br>
+              <a:rPr lang="ru-RU" sz="1800" dirty="0">
+                <a:solidFill>
+                  <a:srgbClr val="000000"/>
+                </a:solidFill>
+                <a:highlight>
+                  <a:srgbClr val="FFFFFF"/>
+                </a:highlight>
+                <a:latin typeface="Consolas" panose="020B0609020204030204" pitchFamily="49" charset="0"/>
+              </a:rPr>
+            </a:br>
+            <a:r>
+              <a:rPr lang="ru-RU" sz="1800" dirty="0">
+                <a:solidFill>
+                  <a:srgbClr val="000000"/>
+                </a:solidFill>
+                <a:highlight>
+                  <a:srgbClr val="FFFFFF"/>
+                </a:highlight>
+                <a:latin typeface="Consolas" panose="020B0609020204030204" pitchFamily="49" charset="0"/>
+              </a:rPr>
+              <a:t>}</a:t>
+            </a:r>
+          </a:p>
+          <a:p>
+            <a:pPr marL="0" indent="0">
+              <a:buNone/>
+            </a:pPr>
+            <a:r>
+              <a:rPr lang="ru-RU" sz="1800" dirty="0">
+                <a:solidFill>
+                  <a:srgbClr val="000000"/>
+                </a:solidFill>
+                <a:highlight>
+                  <a:srgbClr val="FFFFFF"/>
+                </a:highlight>
+                <a:latin typeface="Consolas" panose="020B0609020204030204" pitchFamily="49" charset="0"/>
+              </a:rPr>
+              <a:t>Решение: сделать в структуре </a:t>
+            </a:r>
+            <a:r>
+              <a:rPr lang="en-US" sz="1800" dirty="0">
+                <a:solidFill>
+                  <a:srgbClr val="000000"/>
+                </a:solidFill>
+                <a:highlight>
+                  <a:srgbClr val="FFFFFF"/>
+                </a:highlight>
+                <a:latin typeface="Consolas" panose="020B0609020204030204" pitchFamily="49" charset="0"/>
+              </a:rPr>
+              <a:t>‘B’ std::</a:t>
+            </a:r>
+            <a:r>
+              <a:rPr lang="en-US" sz="1800" dirty="0" err="1">
+                <a:solidFill>
+                  <a:srgbClr val="2B91AF"/>
+                </a:solidFill>
+                <a:highlight>
+                  <a:srgbClr val="FFFFFF"/>
+                </a:highlight>
+                <a:latin typeface="Consolas" panose="020B0609020204030204" pitchFamily="49" charset="0"/>
+              </a:rPr>
+              <a:t>weak_ptr</a:t>
+            </a:r>
+            <a:r>
+              <a:rPr lang="en-US" sz="1800" dirty="0">
+                <a:solidFill>
+                  <a:srgbClr val="000000"/>
+                </a:solidFill>
+                <a:highlight>
+                  <a:srgbClr val="FFFFFF"/>
+                </a:highlight>
+                <a:latin typeface="Consolas" panose="020B0609020204030204" pitchFamily="49" charset="0"/>
+              </a:rPr>
+              <a:t>&lt;</a:t>
+            </a:r>
+            <a:r>
+              <a:rPr lang="en-US" sz="1800" dirty="0">
+                <a:solidFill>
+                  <a:srgbClr val="2B91AF"/>
+                </a:solidFill>
+                <a:highlight>
+                  <a:srgbClr val="FFFFFF"/>
+                </a:highlight>
+                <a:latin typeface="Consolas" panose="020B0609020204030204" pitchFamily="49" charset="0"/>
+              </a:rPr>
+              <a:t>A</a:t>
+            </a:r>
+            <a:r>
+              <a:rPr lang="en-US" sz="1800" dirty="0">
+                <a:solidFill>
+                  <a:srgbClr val="000000"/>
+                </a:solidFill>
+                <a:highlight>
+                  <a:srgbClr val="FFFFFF"/>
+                </a:highlight>
+                <a:latin typeface="Consolas" panose="020B0609020204030204" pitchFamily="49" charset="0"/>
+              </a:rPr>
+              <a:t>&gt; a;</a:t>
+            </a:r>
+            <a:br>
+              <a:rPr lang="ru-RU" sz="1800" dirty="0">
+                <a:solidFill>
+                  <a:srgbClr val="000000"/>
+                </a:solidFill>
+                <a:highlight>
+                  <a:srgbClr val="FFFFFF"/>
+                </a:highlight>
+                <a:latin typeface="Consolas" panose="020B0609020204030204" pitchFamily="49" charset="0"/>
+              </a:rPr>
+            </a:br>
+            <a:endParaRPr lang="en-US" sz="1800" dirty="0">
+              <a:solidFill>
+                <a:srgbClr val="000000"/>
+              </a:solidFill>
+              <a:highlight>
+                <a:srgbClr val="FFFFFF"/>
+              </a:highlight>
+              <a:latin typeface="Consolas" panose="020B0609020204030204" pitchFamily="49" charset="0"/>
+            </a:endParaRPr>
+          </a:p>
+          <a:p>
+            <a:pPr marL="0" indent="0">
+              <a:buNone/>
+            </a:pPr>
+            <a:endParaRPr lang="ru-RU" sz="3200" dirty="0">
+              <a:latin typeface="Consolas" panose="020B0609020204030204" pitchFamily="49" charset="0"/>
+            </a:endParaRPr>
+          </a:p>
+        </p:txBody>
+      </p:sp>
+    </p:spTree>
+    <p:extLst>
+      <p:ext uri="{BB962C8B-B14F-4D97-AF65-F5344CB8AC3E}">
+        <p14:creationId xmlns:p14="http://schemas.microsoft.com/office/powerpoint/2010/main" val="3852834076"/>
+      </p:ext>
+    </p:extLst>
+  </p:cSld>
+  <p:clrMapOvr>
+    <a:masterClrMapping/>
+  </p:clrMapOvr>
+</p:sld>
+</file>
+
+<file path=ppt/slides/slide9.xml><?xml version="1.0" encoding="utf-8"?>
+<p:sld xmlns:a="http://schemas.openxmlformats.org/drawingml/2006/main" xmlns:r="http://schemas.openxmlformats.org/officeDocument/2006/relationships" xmlns:p="http://schemas.openxmlformats.org/presentationml/2006/main">
+  <p:cSld>
+    <p:spTree>
+      <p:nvGrpSpPr>
+        <p:cNvPr id="1" name=""/>
+        <p:cNvGrpSpPr/>
+        <p:nvPr/>
+      </p:nvGrpSpPr>
+      <p:grpSpPr>
+        <a:xfrm>
+          <a:off x="0" y="0"/>
+          <a:ext cx="0" cy="0"/>
+          <a:chOff x="0" y="0"/>
+          <a:chExt cx="0" cy="0"/>
+        </a:xfrm>
+      </p:grpSpPr>
+      <p:sp>
+        <p:nvSpPr>
+          <p:cNvPr id="2" name="Заголовок 1">
+            <a:extLst>
+              <a:ext uri="{FF2B5EF4-FFF2-40B4-BE49-F238E27FC236}">
+                <a16:creationId xmlns:a16="http://schemas.microsoft.com/office/drawing/2014/main" id="{DE718807-1F12-4F54-A784-A8A191AB66CB}"/>
+              </a:ext>
+            </a:extLst>
+          </p:cNvPr>
+          <p:cNvSpPr>
+            <a:spLocks noGrp="1"/>
+          </p:cNvSpPr>
+          <p:nvPr>
+            <p:ph type="title"/>
+          </p:nvPr>
+        </p:nvSpPr>
+        <p:spPr>
+          <a:xfrm>
+            <a:off x="838200" y="365125"/>
+            <a:ext cx="10515600" cy="633165"/>
+          </a:xfrm>
+        </p:spPr>
+        <p:txBody>
+          <a:bodyPr>
+            <a:normAutofit fontScale="90000"/>
+          </a:bodyPr>
+          <a:lstStyle/>
+          <a:p>
+            <a:r>
+              <a:rPr lang="ru-RU" dirty="0"/>
+              <a:t>Решение: </a:t>
+            </a:r>
+            <a:r>
+              <a:rPr lang="en-US" dirty="0">
+                <a:latin typeface="Consolas" panose="020B0609020204030204" pitchFamily="49" charset="0"/>
+              </a:rPr>
+              <a:t>std::</a:t>
+            </a:r>
+            <a:r>
+              <a:rPr lang="en-US" dirty="0" err="1">
+                <a:latin typeface="Consolas" panose="020B0609020204030204" pitchFamily="49" charset="0"/>
+              </a:rPr>
+              <a:t>weak_ptr</a:t>
+            </a:r>
+            <a:r>
+              <a:rPr lang="en-US" dirty="0">
+                <a:latin typeface="Consolas" panose="020B0609020204030204" pitchFamily="49" charset="0"/>
+              </a:rPr>
+              <a:t>&lt;&gt;</a:t>
+            </a:r>
+            <a:endParaRPr lang="ru-RU" dirty="0">
+              <a:latin typeface="Consolas" panose="020B0609020204030204" pitchFamily="49" charset="0"/>
+            </a:endParaRPr>
+          </a:p>
+        </p:txBody>
+      </p:sp>
+      <p:sp>
+        <p:nvSpPr>
+          <p:cNvPr id="3" name="Объект 2">
+            <a:extLst>
+              <a:ext uri="{FF2B5EF4-FFF2-40B4-BE49-F238E27FC236}">
+                <a16:creationId xmlns:a16="http://schemas.microsoft.com/office/drawing/2014/main" id="{E18070E7-18CC-4283-946F-3F1751E24820}"/>
+              </a:ext>
+            </a:extLst>
+          </p:cNvPr>
+          <p:cNvSpPr>
+            <a:spLocks noGrp="1"/>
+          </p:cNvSpPr>
+          <p:nvPr>
+            <p:ph idx="1"/>
+          </p:nvPr>
+        </p:nvSpPr>
+        <p:spPr>
+          <a:xfrm>
+            <a:off x="838200" y="1283516"/>
+            <a:ext cx="10515600" cy="4893447"/>
+          </a:xfrm>
+        </p:spPr>
+        <p:txBody>
+          <a:bodyPr>
+            <a:normAutofit fontScale="70000" lnSpcReduction="20000"/>
+          </a:bodyPr>
+          <a:lstStyle/>
+          <a:p>
+            <a:pPr marL="0" indent="0">
+              <a:buNone/>
+            </a:pPr>
+            <a:r>
+              <a:rPr lang="en-US" sz="2800" dirty="0">
+                <a:solidFill>
+                  <a:srgbClr val="808080"/>
+                </a:solidFill>
+                <a:highlight>
+                  <a:srgbClr val="FFFFFF"/>
+                </a:highlight>
+                <a:latin typeface="Consolas" panose="020B0609020204030204" pitchFamily="49" charset="0"/>
+              </a:rPr>
+              <a:t>#include</a:t>
+            </a:r>
+            <a:r>
+              <a:rPr lang="en-US" sz="2800" dirty="0">
+                <a:solidFill>
+                  <a:srgbClr val="000000"/>
+                </a:solidFill>
+                <a:highlight>
+                  <a:srgbClr val="FFFFFF"/>
+                </a:highlight>
+                <a:latin typeface="Consolas" panose="020B0609020204030204" pitchFamily="49" charset="0"/>
+              </a:rPr>
+              <a:t> </a:t>
+            </a:r>
+            <a:r>
+              <a:rPr lang="en-US" sz="2800" dirty="0">
+                <a:solidFill>
+                  <a:srgbClr val="A31515"/>
+                </a:solidFill>
+                <a:highlight>
+                  <a:srgbClr val="FFFFFF"/>
+                </a:highlight>
+                <a:latin typeface="Consolas" panose="020B0609020204030204" pitchFamily="49" charset="0"/>
+              </a:rPr>
+              <a:t>&lt;iostream&gt;</a:t>
+            </a:r>
+            <a:br>
+              <a:rPr lang="ru-RU" sz="2800" dirty="0">
+                <a:solidFill>
+                  <a:srgbClr val="000000"/>
+                </a:solidFill>
+                <a:highlight>
+                  <a:srgbClr val="FFFFFF"/>
+                </a:highlight>
+                <a:latin typeface="Consolas" panose="020B0609020204030204" pitchFamily="49" charset="0"/>
+              </a:rPr>
+            </a:br>
+            <a:r>
+              <a:rPr lang="en-US" sz="2800" dirty="0">
+                <a:solidFill>
+                  <a:srgbClr val="808080"/>
+                </a:solidFill>
+                <a:highlight>
+                  <a:srgbClr val="FFFFFF"/>
+                </a:highlight>
+                <a:latin typeface="Consolas" panose="020B0609020204030204" pitchFamily="49" charset="0"/>
+              </a:rPr>
+              <a:t>#include</a:t>
+            </a:r>
+            <a:r>
+              <a:rPr lang="en-US" sz="2800" dirty="0">
+                <a:solidFill>
+                  <a:srgbClr val="000000"/>
+                </a:solidFill>
+                <a:highlight>
+                  <a:srgbClr val="FFFFFF"/>
+                </a:highlight>
+                <a:latin typeface="Consolas" panose="020B0609020204030204" pitchFamily="49" charset="0"/>
+              </a:rPr>
+              <a:t> </a:t>
+            </a:r>
+            <a:r>
+              <a:rPr lang="en-US" sz="2800" dirty="0">
+                <a:solidFill>
+                  <a:srgbClr val="A31515"/>
+                </a:solidFill>
+                <a:highlight>
+                  <a:srgbClr val="FFFFFF"/>
+                </a:highlight>
+                <a:latin typeface="Consolas" panose="020B0609020204030204" pitchFamily="49" charset="0"/>
+              </a:rPr>
+              <a:t>&lt;memory&gt;</a:t>
+            </a:r>
+            <a:endParaRPr lang="en-US" sz="2800" dirty="0">
+              <a:solidFill>
+                <a:srgbClr val="000000"/>
+              </a:solidFill>
+              <a:highlight>
+                <a:srgbClr val="FFFFFF"/>
+              </a:highlight>
+              <a:latin typeface="Consolas" panose="020B0609020204030204" pitchFamily="49" charset="0"/>
+            </a:endParaRPr>
+          </a:p>
+          <a:p>
+            <a:pPr marL="0" indent="0">
+              <a:buNone/>
+            </a:pPr>
+            <a:r>
+              <a:rPr lang="en-US" sz="2800" dirty="0">
+                <a:solidFill>
+                  <a:srgbClr val="0000FF"/>
+                </a:solidFill>
+                <a:highlight>
+                  <a:srgbClr val="FFFFFF"/>
+                </a:highlight>
+                <a:latin typeface="Consolas" panose="020B0609020204030204" pitchFamily="49" charset="0"/>
+              </a:rPr>
+              <a:t>struct</a:t>
+            </a:r>
+            <a:r>
+              <a:rPr lang="en-US" sz="2800" dirty="0">
+                <a:solidFill>
+                  <a:srgbClr val="000000"/>
+                </a:solidFill>
+                <a:highlight>
+                  <a:srgbClr val="FFFFFF"/>
+                </a:highlight>
+                <a:latin typeface="Consolas" panose="020B0609020204030204" pitchFamily="49" charset="0"/>
+              </a:rPr>
+              <a:t> </a:t>
+            </a:r>
+            <a:r>
+              <a:rPr lang="en-US" sz="2800" dirty="0">
+                <a:solidFill>
+                  <a:srgbClr val="2B91AF"/>
+                </a:solidFill>
+                <a:highlight>
+                  <a:srgbClr val="FFFFFF"/>
+                </a:highlight>
+                <a:latin typeface="Consolas" panose="020B0609020204030204" pitchFamily="49" charset="0"/>
+              </a:rPr>
+              <a:t>B</a:t>
+            </a:r>
+            <a:r>
+              <a:rPr lang="en-US" sz="2800" dirty="0">
+                <a:solidFill>
+                  <a:srgbClr val="000000"/>
+                </a:solidFill>
+                <a:highlight>
+                  <a:srgbClr val="FFFFFF"/>
+                </a:highlight>
+                <a:latin typeface="Consolas" panose="020B0609020204030204" pitchFamily="49" charset="0"/>
+              </a:rPr>
+              <a:t>;</a:t>
+            </a:r>
+          </a:p>
+          <a:p>
+            <a:pPr marL="0" indent="0">
+              <a:buNone/>
+            </a:pPr>
+            <a:r>
+              <a:rPr lang="en-US" sz="2800" dirty="0">
+                <a:solidFill>
+                  <a:srgbClr val="0000FF"/>
+                </a:solidFill>
+                <a:highlight>
+                  <a:srgbClr val="FFFFFF"/>
+                </a:highlight>
+                <a:latin typeface="Consolas" panose="020B0609020204030204" pitchFamily="49" charset="0"/>
+              </a:rPr>
+              <a:t>struct</a:t>
+            </a:r>
+            <a:r>
+              <a:rPr lang="en-US" sz="2800" dirty="0">
+                <a:solidFill>
+                  <a:srgbClr val="000000"/>
+                </a:solidFill>
+                <a:highlight>
+                  <a:srgbClr val="FFFFFF"/>
+                </a:highlight>
+                <a:latin typeface="Consolas" panose="020B0609020204030204" pitchFamily="49" charset="0"/>
+              </a:rPr>
+              <a:t> </a:t>
+            </a:r>
+            <a:r>
+              <a:rPr lang="en-US" sz="2800" dirty="0">
+                <a:solidFill>
+                  <a:srgbClr val="2B91AF"/>
+                </a:solidFill>
+                <a:highlight>
+                  <a:srgbClr val="FFFFFF"/>
+                </a:highlight>
+                <a:latin typeface="Consolas" panose="020B0609020204030204" pitchFamily="49" charset="0"/>
+              </a:rPr>
+              <a:t>A</a:t>
+            </a:r>
+            <a:r>
+              <a:rPr lang="en-US" sz="2800" dirty="0">
+                <a:solidFill>
+                  <a:srgbClr val="000000"/>
+                </a:solidFill>
+                <a:highlight>
+                  <a:srgbClr val="FFFFFF"/>
+                </a:highlight>
+                <a:latin typeface="Consolas" panose="020B0609020204030204" pitchFamily="49" charset="0"/>
+              </a:rPr>
+              <a:t> {</a:t>
+            </a:r>
+            <a:br>
+              <a:rPr lang="ru-RU" sz="2800" dirty="0">
+                <a:solidFill>
+                  <a:srgbClr val="000000"/>
+                </a:solidFill>
+                <a:highlight>
+                  <a:srgbClr val="FFFFFF"/>
+                </a:highlight>
+                <a:latin typeface="Consolas" panose="020B0609020204030204" pitchFamily="49" charset="0"/>
+              </a:rPr>
+            </a:br>
+            <a:r>
+              <a:rPr lang="ru-RU" sz="2800" dirty="0">
+                <a:solidFill>
+                  <a:srgbClr val="000000"/>
+                </a:solidFill>
+                <a:highlight>
+                  <a:srgbClr val="FFFFFF"/>
+                </a:highlight>
+                <a:latin typeface="Consolas" panose="020B0609020204030204" pitchFamily="49" charset="0"/>
+              </a:rPr>
+              <a:t>   </a:t>
+            </a:r>
+            <a:r>
+              <a:rPr lang="en-US" sz="2800" dirty="0">
+                <a:solidFill>
+                  <a:srgbClr val="000000"/>
+                </a:solidFill>
+                <a:highlight>
+                  <a:srgbClr val="FFFFFF"/>
+                </a:highlight>
+                <a:latin typeface="Consolas" panose="020B0609020204030204" pitchFamily="49" charset="0"/>
+              </a:rPr>
+              <a:t>std::</a:t>
+            </a:r>
+            <a:r>
+              <a:rPr lang="en-US" sz="2800" dirty="0" err="1">
+                <a:solidFill>
+                  <a:srgbClr val="2B91AF"/>
+                </a:solidFill>
+                <a:highlight>
+                  <a:srgbClr val="FFFFFF"/>
+                </a:highlight>
+                <a:latin typeface="Consolas" panose="020B0609020204030204" pitchFamily="49" charset="0"/>
+              </a:rPr>
+              <a:t>shared_ptr</a:t>
+            </a:r>
+            <a:r>
+              <a:rPr lang="en-US" sz="2800" dirty="0">
+                <a:solidFill>
+                  <a:srgbClr val="000000"/>
+                </a:solidFill>
+                <a:highlight>
+                  <a:srgbClr val="FFFFFF"/>
+                </a:highlight>
+                <a:latin typeface="Consolas" panose="020B0609020204030204" pitchFamily="49" charset="0"/>
+              </a:rPr>
+              <a:t>&lt;</a:t>
+            </a:r>
+            <a:r>
+              <a:rPr lang="en-US" sz="2800" dirty="0">
+                <a:solidFill>
+                  <a:srgbClr val="2B91AF"/>
+                </a:solidFill>
+                <a:highlight>
+                  <a:srgbClr val="FFFFFF"/>
+                </a:highlight>
+                <a:latin typeface="Consolas" panose="020B0609020204030204" pitchFamily="49" charset="0"/>
+              </a:rPr>
+              <a:t>B</a:t>
+            </a:r>
+            <a:r>
+              <a:rPr lang="en-US" sz="2800" dirty="0">
+                <a:solidFill>
+                  <a:srgbClr val="000000"/>
+                </a:solidFill>
+                <a:highlight>
+                  <a:srgbClr val="FFFFFF"/>
+                </a:highlight>
+                <a:latin typeface="Consolas" panose="020B0609020204030204" pitchFamily="49" charset="0"/>
+              </a:rPr>
+              <a:t>&gt; b;</a:t>
+            </a:r>
+            <a:br>
+              <a:rPr lang="ru-RU" sz="2800" dirty="0">
+                <a:solidFill>
+                  <a:srgbClr val="000000"/>
+                </a:solidFill>
+                <a:highlight>
+                  <a:srgbClr val="FFFFFF"/>
+                </a:highlight>
+                <a:latin typeface="Consolas" panose="020B0609020204030204" pitchFamily="49" charset="0"/>
+              </a:rPr>
+            </a:br>
+            <a:r>
+              <a:rPr lang="ru-RU" sz="2800" dirty="0">
+                <a:solidFill>
+                  <a:srgbClr val="000000"/>
+                </a:solidFill>
+                <a:highlight>
+                  <a:srgbClr val="FFFFFF"/>
+                </a:highlight>
+                <a:latin typeface="Consolas" panose="020B0609020204030204" pitchFamily="49" charset="0"/>
+              </a:rPr>
+              <a:t>   </a:t>
+            </a:r>
+            <a:r>
+              <a:rPr lang="en-US" sz="2800" dirty="0">
+                <a:solidFill>
+                  <a:srgbClr val="000000"/>
+                </a:solidFill>
+                <a:highlight>
+                  <a:srgbClr val="FFFFFF"/>
+                </a:highlight>
+                <a:latin typeface="Consolas" panose="020B0609020204030204" pitchFamily="49" charset="0"/>
+              </a:rPr>
+              <a:t>~A() { std::</a:t>
+            </a:r>
+            <a:r>
+              <a:rPr lang="en-US" sz="2800" dirty="0" err="1">
+                <a:solidFill>
+                  <a:srgbClr val="000000"/>
+                </a:solidFill>
+                <a:highlight>
+                  <a:srgbClr val="FFFFFF"/>
+                </a:highlight>
+                <a:latin typeface="Consolas" panose="020B0609020204030204" pitchFamily="49" charset="0"/>
+              </a:rPr>
+              <a:t>cout</a:t>
+            </a:r>
+            <a:r>
+              <a:rPr lang="en-US" sz="2800" dirty="0">
+                <a:solidFill>
+                  <a:srgbClr val="000000"/>
+                </a:solidFill>
+                <a:highlight>
+                  <a:srgbClr val="FFFFFF"/>
+                </a:highlight>
+                <a:latin typeface="Consolas" panose="020B0609020204030204" pitchFamily="49" charset="0"/>
+              </a:rPr>
+              <a:t> </a:t>
+            </a:r>
+            <a:r>
+              <a:rPr lang="en-US" sz="2800" dirty="0">
+                <a:solidFill>
+                  <a:srgbClr val="008080"/>
+                </a:solidFill>
+                <a:highlight>
+                  <a:srgbClr val="FFFFFF"/>
+                </a:highlight>
+                <a:latin typeface="Consolas" panose="020B0609020204030204" pitchFamily="49" charset="0"/>
+              </a:rPr>
+              <a:t>&lt;&lt;</a:t>
+            </a:r>
+            <a:r>
+              <a:rPr lang="en-US" sz="2800" dirty="0">
+                <a:solidFill>
+                  <a:srgbClr val="000000"/>
+                </a:solidFill>
+                <a:highlight>
+                  <a:srgbClr val="FFFFFF"/>
+                </a:highlight>
+                <a:latin typeface="Consolas" panose="020B0609020204030204" pitchFamily="49" charset="0"/>
+              </a:rPr>
+              <a:t> </a:t>
+            </a:r>
+            <a:r>
+              <a:rPr lang="en-US" sz="2800" dirty="0">
+                <a:solidFill>
+                  <a:srgbClr val="A31515"/>
+                </a:solidFill>
+                <a:highlight>
+                  <a:srgbClr val="FFFFFF"/>
+                </a:highlight>
+                <a:latin typeface="Consolas" panose="020B0609020204030204" pitchFamily="49" charset="0"/>
+              </a:rPr>
+              <a:t>"~A\n"</a:t>
+            </a:r>
+            <a:r>
+              <a:rPr lang="en-US" sz="2800" dirty="0">
+                <a:solidFill>
+                  <a:srgbClr val="000000"/>
+                </a:solidFill>
+                <a:highlight>
+                  <a:srgbClr val="FFFFFF"/>
+                </a:highlight>
+                <a:latin typeface="Consolas" panose="020B0609020204030204" pitchFamily="49" charset="0"/>
+              </a:rPr>
+              <a:t>; }</a:t>
+            </a:r>
+            <a:br>
+              <a:rPr lang="ru-RU" sz="2800" dirty="0">
+                <a:solidFill>
+                  <a:srgbClr val="000000"/>
+                </a:solidFill>
+                <a:highlight>
+                  <a:srgbClr val="FFFFFF"/>
+                </a:highlight>
+                <a:latin typeface="Consolas" panose="020B0609020204030204" pitchFamily="49" charset="0"/>
+              </a:rPr>
+            </a:br>
+            <a:r>
+              <a:rPr lang="ru-RU" sz="2800" dirty="0">
+                <a:solidFill>
+                  <a:srgbClr val="000000"/>
+                </a:solidFill>
+                <a:highlight>
+                  <a:srgbClr val="FFFFFF"/>
+                </a:highlight>
+                <a:latin typeface="Consolas" panose="020B0609020204030204" pitchFamily="49" charset="0"/>
+              </a:rPr>
+              <a:t>};</a:t>
+            </a:r>
+          </a:p>
+          <a:p>
+            <a:pPr marL="0" indent="0">
+              <a:buNone/>
+            </a:pPr>
+            <a:r>
+              <a:rPr lang="en-US" sz="2800" dirty="0">
+                <a:solidFill>
+                  <a:srgbClr val="0000FF"/>
+                </a:solidFill>
+                <a:highlight>
+                  <a:srgbClr val="FFFFFF"/>
+                </a:highlight>
+                <a:latin typeface="Consolas" panose="020B0609020204030204" pitchFamily="49" charset="0"/>
+              </a:rPr>
+              <a:t>struct</a:t>
+            </a:r>
+            <a:r>
+              <a:rPr lang="en-US" sz="2800" dirty="0">
+                <a:solidFill>
+                  <a:srgbClr val="000000"/>
+                </a:solidFill>
+                <a:highlight>
+                  <a:srgbClr val="FFFFFF"/>
+                </a:highlight>
+                <a:latin typeface="Consolas" panose="020B0609020204030204" pitchFamily="49" charset="0"/>
+              </a:rPr>
+              <a:t> </a:t>
+            </a:r>
+            <a:r>
+              <a:rPr lang="en-US" sz="2800" dirty="0">
+                <a:solidFill>
+                  <a:srgbClr val="2B91AF"/>
+                </a:solidFill>
+                <a:highlight>
+                  <a:srgbClr val="FFFFFF"/>
+                </a:highlight>
+                <a:latin typeface="Consolas" panose="020B0609020204030204" pitchFamily="49" charset="0"/>
+              </a:rPr>
+              <a:t>B</a:t>
+            </a:r>
+            <a:r>
+              <a:rPr lang="en-US" sz="2800" dirty="0">
+                <a:solidFill>
+                  <a:srgbClr val="000000"/>
+                </a:solidFill>
+                <a:highlight>
+                  <a:srgbClr val="FFFFFF"/>
+                </a:highlight>
+                <a:latin typeface="Consolas" panose="020B0609020204030204" pitchFamily="49" charset="0"/>
+              </a:rPr>
+              <a:t> {</a:t>
+            </a:r>
+            <a:br>
+              <a:rPr lang="ru-RU" sz="2800" dirty="0">
+                <a:solidFill>
+                  <a:srgbClr val="000000"/>
+                </a:solidFill>
+                <a:highlight>
+                  <a:srgbClr val="FFFFFF"/>
+                </a:highlight>
+                <a:latin typeface="Consolas" panose="020B0609020204030204" pitchFamily="49" charset="0"/>
+              </a:rPr>
+            </a:br>
+            <a:r>
+              <a:rPr lang="ru-RU" sz="2800" dirty="0">
+                <a:solidFill>
+                  <a:srgbClr val="000000"/>
+                </a:solidFill>
+                <a:highlight>
+                  <a:srgbClr val="FFFFFF"/>
+                </a:highlight>
+                <a:latin typeface="Consolas" panose="020B0609020204030204" pitchFamily="49" charset="0"/>
+              </a:rPr>
+              <a:t>   </a:t>
+            </a:r>
+            <a:r>
+              <a:rPr lang="en-US" sz="2800" dirty="0">
+                <a:solidFill>
+                  <a:srgbClr val="000000"/>
+                </a:solidFill>
+                <a:highlight>
+                  <a:srgbClr val="FFFFFF"/>
+                </a:highlight>
+                <a:latin typeface="Consolas" panose="020B0609020204030204" pitchFamily="49" charset="0"/>
+              </a:rPr>
+              <a:t>std::</a:t>
+            </a:r>
+            <a:r>
+              <a:rPr lang="en-US" sz="2800" b="1" dirty="0" err="1">
+                <a:solidFill>
+                  <a:srgbClr val="2B91AF"/>
+                </a:solidFill>
+                <a:highlight>
+                  <a:srgbClr val="FFFFFF"/>
+                </a:highlight>
+                <a:latin typeface="Consolas" panose="020B0609020204030204" pitchFamily="49" charset="0"/>
+              </a:rPr>
+              <a:t>weak_ptr</a:t>
+            </a:r>
+            <a:r>
+              <a:rPr lang="en-US" sz="2800" dirty="0">
+                <a:solidFill>
+                  <a:srgbClr val="000000"/>
+                </a:solidFill>
+                <a:highlight>
+                  <a:srgbClr val="FFFFFF"/>
+                </a:highlight>
+                <a:latin typeface="Consolas" panose="020B0609020204030204" pitchFamily="49" charset="0"/>
+              </a:rPr>
+              <a:t>&lt;</a:t>
+            </a:r>
+            <a:r>
+              <a:rPr lang="en-US" sz="2800" dirty="0">
+                <a:solidFill>
+                  <a:srgbClr val="2B91AF"/>
+                </a:solidFill>
+                <a:highlight>
+                  <a:srgbClr val="FFFFFF"/>
+                </a:highlight>
+                <a:latin typeface="Consolas" panose="020B0609020204030204" pitchFamily="49" charset="0"/>
+              </a:rPr>
+              <a:t>A</a:t>
+            </a:r>
+            <a:r>
+              <a:rPr lang="en-US" sz="2800" dirty="0">
+                <a:solidFill>
+                  <a:srgbClr val="000000"/>
+                </a:solidFill>
+                <a:highlight>
+                  <a:srgbClr val="FFFFFF"/>
+                </a:highlight>
+                <a:latin typeface="Consolas" panose="020B0609020204030204" pitchFamily="49" charset="0"/>
+              </a:rPr>
+              <a:t>&gt; a;</a:t>
+            </a:r>
+            <a:br>
+              <a:rPr lang="ru-RU" sz="2800" dirty="0">
+                <a:solidFill>
+                  <a:srgbClr val="000000"/>
+                </a:solidFill>
+                <a:highlight>
+                  <a:srgbClr val="FFFFFF"/>
+                </a:highlight>
+                <a:latin typeface="Consolas" panose="020B0609020204030204" pitchFamily="49" charset="0"/>
+              </a:rPr>
+            </a:br>
+            <a:r>
+              <a:rPr lang="ru-RU" sz="2800" dirty="0">
+                <a:solidFill>
+                  <a:srgbClr val="000000"/>
+                </a:solidFill>
+                <a:highlight>
+                  <a:srgbClr val="FFFFFF"/>
+                </a:highlight>
+                <a:latin typeface="Consolas" panose="020B0609020204030204" pitchFamily="49" charset="0"/>
+              </a:rPr>
+              <a:t>   </a:t>
+            </a:r>
+            <a:r>
+              <a:rPr lang="en-US" sz="2800" dirty="0">
+                <a:solidFill>
+                  <a:srgbClr val="000000"/>
+                </a:solidFill>
+                <a:highlight>
+                  <a:srgbClr val="FFFFFF"/>
+                </a:highlight>
+                <a:latin typeface="Consolas" panose="020B0609020204030204" pitchFamily="49" charset="0"/>
+              </a:rPr>
+              <a:t>~B() { std::</a:t>
+            </a:r>
+            <a:r>
+              <a:rPr lang="en-US" sz="2800" dirty="0" err="1">
+                <a:solidFill>
+                  <a:srgbClr val="000000"/>
+                </a:solidFill>
+                <a:highlight>
+                  <a:srgbClr val="FFFFFF"/>
+                </a:highlight>
+                <a:latin typeface="Consolas" panose="020B0609020204030204" pitchFamily="49" charset="0"/>
+              </a:rPr>
+              <a:t>cout</a:t>
+            </a:r>
+            <a:r>
+              <a:rPr lang="en-US" sz="2800" dirty="0">
+                <a:solidFill>
+                  <a:srgbClr val="000000"/>
+                </a:solidFill>
+                <a:highlight>
+                  <a:srgbClr val="FFFFFF"/>
+                </a:highlight>
+                <a:latin typeface="Consolas" panose="020B0609020204030204" pitchFamily="49" charset="0"/>
+              </a:rPr>
+              <a:t> </a:t>
+            </a:r>
+            <a:r>
+              <a:rPr lang="en-US" sz="2800" dirty="0">
+                <a:solidFill>
+                  <a:srgbClr val="008080"/>
+                </a:solidFill>
+                <a:highlight>
+                  <a:srgbClr val="FFFFFF"/>
+                </a:highlight>
+                <a:latin typeface="Consolas" panose="020B0609020204030204" pitchFamily="49" charset="0"/>
+              </a:rPr>
+              <a:t>&lt;&lt;</a:t>
+            </a:r>
+            <a:r>
+              <a:rPr lang="en-US" sz="2800" dirty="0">
+                <a:solidFill>
+                  <a:srgbClr val="000000"/>
+                </a:solidFill>
+                <a:highlight>
+                  <a:srgbClr val="FFFFFF"/>
+                </a:highlight>
+                <a:latin typeface="Consolas" panose="020B0609020204030204" pitchFamily="49" charset="0"/>
+              </a:rPr>
+              <a:t> </a:t>
+            </a:r>
+            <a:r>
+              <a:rPr lang="en-US" sz="2800" dirty="0">
+                <a:solidFill>
+                  <a:srgbClr val="A31515"/>
+                </a:solidFill>
+                <a:highlight>
+                  <a:srgbClr val="FFFFFF"/>
+                </a:highlight>
+                <a:latin typeface="Consolas" panose="020B0609020204030204" pitchFamily="49" charset="0"/>
+              </a:rPr>
+              <a:t>"~B\n"</a:t>
+            </a:r>
+            <a:r>
+              <a:rPr lang="en-US" sz="2800" dirty="0">
+                <a:solidFill>
+                  <a:srgbClr val="000000"/>
+                </a:solidFill>
+                <a:highlight>
+                  <a:srgbClr val="FFFFFF"/>
+                </a:highlight>
+                <a:latin typeface="Consolas" panose="020B0609020204030204" pitchFamily="49" charset="0"/>
+              </a:rPr>
+              <a:t>; }</a:t>
+            </a:r>
+            <a:br>
+              <a:rPr lang="ru-RU" sz="2800" dirty="0">
+                <a:solidFill>
+                  <a:srgbClr val="000000"/>
+                </a:solidFill>
+                <a:highlight>
+                  <a:srgbClr val="FFFFFF"/>
+                </a:highlight>
+                <a:latin typeface="Consolas" panose="020B0609020204030204" pitchFamily="49" charset="0"/>
+              </a:rPr>
+            </a:br>
+            <a:r>
+              <a:rPr lang="ru-RU" sz="2800" dirty="0">
+                <a:solidFill>
+                  <a:srgbClr val="000000"/>
+                </a:solidFill>
+                <a:highlight>
+                  <a:srgbClr val="FFFFFF"/>
+                </a:highlight>
+                <a:latin typeface="Consolas" panose="020B0609020204030204" pitchFamily="49" charset="0"/>
+              </a:rPr>
+              <a:t>};</a:t>
+            </a:r>
+          </a:p>
+          <a:p>
+            <a:pPr marL="0" indent="0">
+              <a:buNone/>
+            </a:pPr>
+            <a:r>
+              <a:rPr lang="en-US" sz="2800" dirty="0">
+                <a:solidFill>
+                  <a:srgbClr val="0000FF"/>
+                </a:solidFill>
+                <a:highlight>
+                  <a:srgbClr val="FFFFFF"/>
+                </a:highlight>
+                <a:latin typeface="Consolas" panose="020B0609020204030204" pitchFamily="49" charset="0"/>
+              </a:rPr>
+              <a:t>int</a:t>
+            </a:r>
+            <a:r>
+              <a:rPr lang="en-US" sz="2800" dirty="0">
+                <a:solidFill>
+                  <a:srgbClr val="000000"/>
+                </a:solidFill>
+                <a:highlight>
+                  <a:srgbClr val="FFFFFF"/>
+                </a:highlight>
+                <a:latin typeface="Consolas" panose="020B0609020204030204" pitchFamily="49" charset="0"/>
+              </a:rPr>
+              <a:t> main()</a:t>
+            </a:r>
+            <a:r>
+              <a:rPr lang="ru-RU" sz="2800" dirty="0">
+                <a:solidFill>
+                  <a:srgbClr val="000000"/>
+                </a:solidFill>
+                <a:highlight>
+                  <a:srgbClr val="FFFFFF"/>
+                </a:highlight>
+                <a:latin typeface="Consolas" panose="020B0609020204030204" pitchFamily="49" charset="0"/>
+              </a:rPr>
+              <a:t>{</a:t>
+            </a:r>
+            <a:br>
+              <a:rPr lang="ru-RU" sz="2800" dirty="0">
+                <a:solidFill>
+                  <a:srgbClr val="000000"/>
+                </a:solidFill>
+                <a:highlight>
+                  <a:srgbClr val="FFFFFF"/>
+                </a:highlight>
+                <a:latin typeface="Consolas" panose="020B0609020204030204" pitchFamily="49" charset="0"/>
+              </a:rPr>
+            </a:br>
+            <a:r>
+              <a:rPr lang="ru-RU" sz="2800" dirty="0">
+                <a:solidFill>
+                  <a:srgbClr val="000000"/>
+                </a:solidFill>
+                <a:highlight>
+                  <a:srgbClr val="FFFFFF"/>
+                </a:highlight>
+                <a:latin typeface="Consolas" panose="020B0609020204030204" pitchFamily="49" charset="0"/>
+              </a:rPr>
+              <a:t>{</a:t>
+            </a:r>
+            <a:br>
+              <a:rPr lang="ru-RU" sz="2800" dirty="0">
+                <a:solidFill>
+                  <a:srgbClr val="000000"/>
+                </a:solidFill>
+                <a:highlight>
+                  <a:srgbClr val="FFFFFF"/>
+                </a:highlight>
+                <a:latin typeface="Consolas" panose="020B0609020204030204" pitchFamily="49" charset="0"/>
+              </a:rPr>
+            </a:br>
+            <a:r>
+              <a:rPr lang="ru-RU" sz="2800" dirty="0">
+                <a:solidFill>
+                  <a:srgbClr val="000000"/>
+                </a:solidFill>
+                <a:highlight>
+                  <a:srgbClr val="FFFFFF"/>
+                </a:highlight>
+                <a:latin typeface="Consolas" panose="020B0609020204030204" pitchFamily="49" charset="0"/>
+              </a:rPr>
+              <a:t>   </a:t>
+            </a:r>
+            <a:r>
+              <a:rPr lang="en-US" sz="2800" dirty="0">
+                <a:solidFill>
+                  <a:srgbClr val="0000FF"/>
+                </a:solidFill>
+                <a:highlight>
+                  <a:srgbClr val="FFFFFF"/>
+                </a:highlight>
+                <a:latin typeface="Consolas" panose="020B0609020204030204" pitchFamily="49" charset="0"/>
+              </a:rPr>
+              <a:t>auto</a:t>
+            </a:r>
+            <a:r>
+              <a:rPr lang="en-US" sz="2800" dirty="0">
+                <a:solidFill>
+                  <a:srgbClr val="000000"/>
+                </a:solidFill>
+                <a:highlight>
+                  <a:srgbClr val="FFFFFF"/>
+                </a:highlight>
+                <a:latin typeface="Consolas" panose="020B0609020204030204" pitchFamily="49" charset="0"/>
+              </a:rPr>
+              <a:t> a = std::</a:t>
+            </a:r>
+            <a:r>
+              <a:rPr lang="en-US" sz="2800" dirty="0" err="1">
+                <a:solidFill>
+                  <a:srgbClr val="000000"/>
+                </a:solidFill>
+                <a:highlight>
+                  <a:srgbClr val="FFFFFF"/>
+                </a:highlight>
+                <a:latin typeface="Consolas" panose="020B0609020204030204" pitchFamily="49" charset="0"/>
+              </a:rPr>
+              <a:t>make_shared</a:t>
+            </a:r>
+            <a:r>
+              <a:rPr lang="en-US" sz="2800" dirty="0">
+                <a:solidFill>
+                  <a:srgbClr val="000000"/>
+                </a:solidFill>
+                <a:highlight>
+                  <a:srgbClr val="FFFFFF"/>
+                </a:highlight>
+                <a:latin typeface="Consolas" panose="020B0609020204030204" pitchFamily="49" charset="0"/>
+              </a:rPr>
+              <a:t>&lt;</a:t>
+            </a:r>
+            <a:r>
+              <a:rPr lang="en-US" sz="2800" dirty="0">
+                <a:solidFill>
+                  <a:srgbClr val="2B91AF"/>
+                </a:solidFill>
+                <a:highlight>
+                  <a:srgbClr val="FFFFFF"/>
+                </a:highlight>
+                <a:latin typeface="Consolas" panose="020B0609020204030204" pitchFamily="49" charset="0"/>
+              </a:rPr>
+              <a:t>A</a:t>
+            </a:r>
+            <a:r>
+              <a:rPr lang="en-US" sz="2800" dirty="0">
+                <a:solidFill>
+                  <a:srgbClr val="000000"/>
+                </a:solidFill>
+                <a:highlight>
+                  <a:srgbClr val="FFFFFF"/>
+                </a:highlight>
+                <a:latin typeface="Consolas" panose="020B0609020204030204" pitchFamily="49" charset="0"/>
+              </a:rPr>
+              <a:t>&gt;();</a:t>
+            </a:r>
+            <a:br>
+              <a:rPr lang="ru-RU" sz="2800" dirty="0">
+                <a:solidFill>
+                  <a:srgbClr val="000000"/>
+                </a:solidFill>
+                <a:highlight>
+                  <a:srgbClr val="FFFFFF"/>
+                </a:highlight>
+                <a:latin typeface="Consolas" panose="020B0609020204030204" pitchFamily="49" charset="0"/>
+              </a:rPr>
+            </a:br>
+            <a:r>
+              <a:rPr lang="ru-RU" sz="2800" dirty="0">
+                <a:solidFill>
+                  <a:srgbClr val="000000"/>
+                </a:solidFill>
+                <a:highlight>
+                  <a:srgbClr val="FFFFFF"/>
+                </a:highlight>
+                <a:latin typeface="Consolas" panose="020B0609020204030204" pitchFamily="49" charset="0"/>
+              </a:rPr>
+              <a:t>   </a:t>
+            </a:r>
+            <a:r>
+              <a:rPr lang="en-US" sz="2800" dirty="0">
+                <a:solidFill>
+                  <a:srgbClr val="0000FF"/>
+                </a:solidFill>
+                <a:highlight>
+                  <a:srgbClr val="FFFFFF"/>
+                </a:highlight>
+                <a:latin typeface="Consolas" panose="020B0609020204030204" pitchFamily="49" charset="0"/>
+              </a:rPr>
+              <a:t>auto</a:t>
+            </a:r>
+            <a:r>
+              <a:rPr lang="en-US" sz="2800" dirty="0">
+                <a:solidFill>
+                  <a:srgbClr val="000000"/>
+                </a:solidFill>
+                <a:highlight>
+                  <a:srgbClr val="FFFFFF"/>
+                </a:highlight>
+                <a:latin typeface="Consolas" panose="020B0609020204030204" pitchFamily="49" charset="0"/>
+              </a:rPr>
+              <a:t> b = std::</a:t>
+            </a:r>
+            <a:r>
+              <a:rPr lang="en-US" sz="2800" dirty="0" err="1">
+                <a:solidFill>
+                  <a:srgbClr val="000000"/>
+                </a:solidFill>
+                <a:highlight>
+                  <a:srgbClr val="FFFFFF"/>
+                </a:highlight>
+                <a:latin typeface="Consolas" panose="020B0609020204030204" pitchFamily="49" charset="0"/>
+              </a:rPr>
+              <a:t>make_shared</a:t>
+            </a:r>
+            <a:r>
+              <a:rPr lang="en-US" sz="2800" dirty="0">
+                <a:solidFill>
+                  <a:srgbClr val="000000"/>
+                </a:solidFill>
+                <a:highlight>
+                  <a:srgbClr val="FFFFFF"/>
+                </a:highlight>
+                <a:latin typeface="Consolas" panose="020B0609020204030204" pitchFamily="49" charset="0"/>
+              </a:rPr>
+              <a:t>&lt;</a:t>
+            </a:r>
+            <a:r>
+              <a:rPr lang="en-US" sz="2800" dirty="0">
+                <a:solidFill>
+                  <a:srgbClr val="2B91AF"/>
+                </a:solidFill>
+                <a:highlight>
+                  <a:srgbClr val="FFFFFF"/>
+                </a:highlight>
+                <a:latin typeface="Consolas" panose="020B0609020204030204" pitchFamily="49" charset="0"/>
+              </a:rPr>
+              <a:t>B</a:t>
+            </a:r>
+            <a:r>
+              <a:rPr lang="en-US" sz="2800" dirty="0">
+                <a:solidFill>
+                  <a:srgbClr val="000000"/>
+                </a:solidFill>
+                <a:highlight>
+                  <a:srgbClr val="FFFFFF"/>
+                </a:highlight>
+                <a:latin typeface="Consolas" panose="020B0609020204030204" pitchFamily="49" charset="0"/>
+              </a:rPr>
+              <a:t>&gt;();</a:t>
+            </a:r>
+            <a:br>
+              <a:rPr lang="ru-RU" sz="2800" dirty="0">
+                <a:solidFill>
+                  <a:srgbClr val="000000"/>
+                </a:solidFill>
+                <a:highlight>
+                  <a:srgbClr val="FFFFFF"/>
+                </a:highlight>
+                <a:latin typeface="Consolas" panose="020B0609020204030204" pitchFamily="49" charset="0"/>
+              </a:rPr>
+            </a:br>
+            <a:r>
+              <a:rPr lang="ru-RU" sz="2800" dirty="0">
+                <a:solidFill>
+                  <a:srgbClr val="000000"/>
+                </a:solidFill>
+                <a:highlight>
+                  <a:srgbClr val="FFFFFF"/>
+                </a:highlight>
+                <a:latin typeface="Consolas" panose="020B0609020204030204" pitchFamily="49" charset="0"/>
+              </a:rPr>
+              <a:t>   </a:t>
+            </a:r>
+            <a:r>
+              <a:rPr lang="en-US" sz="2800" dirty="0">
+                <a:solidFill>
+                  <a:srgbClr val="000000"/>
+                </a:solidFill>
+                <a:highlight>
+                  <a:srgbClr val="FFFFFF"/>
+                </a:highlight>
+                <a:latin typeface="Consolas" panose="020B0609020204030204" pitchFamily="49" charset="0"/>
+              </a:rPr>
+              <a:t>a</a:t>
+            </a:r>
+            <a:r>
+              <a:rPr lang="en-US" sz="2800" dirty="0">
+                <a:solidFill>
+                  <a:srgbClr val="008080"/>
+                </a:solidFill>
+                <a:highlight>
+                  <a:srgbClr val="FFFFFF"/>
+                </a:highlight>
+                <a:latin typeface="Consolas" panose="020B0609020204030204" pitchFamily="49" charset="0"/>
+              </a:rPr>
+              <a:t>-&gt;</a:t>
+            </a:r>
+            <a:r>
+              <a:rPr lang="en-US" sz="2800" dirty="0">
+                <a:solidFill>
+                  <a:srgbClr val="000000"/>
+                </a:solidFill>
+                <a:highlight>
+                  <a:srgbClr val="FFFFFF"/>
+                </a:highlight>
+                <a:latin typeface="Consolas" panose="020B0609020204030204" pitchFamily="49" charset="0"/>
+              </a:rPr>
+              <a:t>b </a:t>
+            </a:r>
+            <a:r>
+              <a:rPr lang="en-US" sz="2800" dirty="0">
+                <a:solidFill>
+                  <a:srgbClr val="008080"/>
+                </a:solidFill>
+                <a:highlight>
+                  <a:srgbClr val="FFFFFF"/>
+                </a:highlight>
+                <a:latin typeface="Consolas" panose="020B0609020204030204" pitchFamily="49" charset="0"/>
+              </a:rPr>
+              <a:t>=</a:t>
+            </a:r>
+            <a:r>
+              <a:rPr lang="en-US" sz="2800" dirty="0">
+                <a:solidFill>
+                  <a:srgbClr val="000000"/>
+                </a:solidFill>
+                <a:highlight>
+                  <a:srgbClr val="FFFFFF"/>
+                </a:highlight>
+                <a:latin typeface="Consolas" panose="020B0609020204030204" pitchFamily="49" charset="0"/>
+              </a:rPr>
+              <a:t> b;</a:t>
+            </a:r>
+            <a:r>
+              <a:rPr lang="ru-RU" sz="2800" dirty="0">
+                <a:solidFill>
+                  <a:srgbClr val="000000"/>
+                </a:solidFill>
+                <a:highlight>
+                  <a:srgbClr val="FFFFFF"/>
+                </a:highlight>
+                <a:latin typeface="Consolas" panose="020B0609020204030204" pitchFamily="49" charset="0"/>
+              </a:rPr>
+              <a:t> </a:t>
+            </a:r>
+            <a:r>
+              <a:rPr lang="en-US" sz="2800" dirty="0">
+                <a:solidFill>
+                  <a:srgbClr val="000000"/>
+                </a:solidFill>
+                <a:highlight>
+                  <a:srgbClr val="FFFFFF"/>
+                </a:highlight>
+                <a:latin typeface="Consolas" panose="020B0609020204030204" pitchFamily="49" charset="0"/>
+              </a:rPr>
+              <a:t>b</a:t>
+            </a:r>
+            <a:r>
+              <a:rPr lang="en-US" sz="2800" dirty="0">
+                <a:solidFill>
+                  <a:srgbClr val="008080"/>
+                </a:solidFill>
+                <a:highlight>
+                  <a:srgbClr val="FFFFFF"/>
+                </a:highlight>
+                <a:latin typeface="Consolas" panose="020B0609020204030204" pitchFamily="49" charset="0"/>
+              </a:rPr>
+              <a:t>-&gt;</a:t>
+            </a:r>
+            <a:r>
+              <a:rPr lang="en-US" sz="2800" dirty="0">
+                <a:solidFill>
+                  <a:srgbClr val="000000"/>
+                </a:solidFill>
+                <a:highlight>
+                  <a:srgbClr val="FFFFFF"/>
+                </a:highlight>
+                <a:latin typeface="Consolas" panose="020B0609020204030204" pitchFamily="49" charset="0"/>
+              </a:rPr>
+              <a:t>a </a:t>
+            </a:r>
+            <a:r>
+              <a:rPr lang="en-US" sz="2800" dirty="0">
+                <a:solidFill>
+                  <a:srgbClr val="008080"/>
+                </a:solidFill>
+                <a:highlight>
+                  <a:srgbClr val="FFFFFF"/>
+                </a:highlight>
+                <a:latin typeface="Consolas" panose="020B0609020204030204" pitchFamily="49" charset="0"/>
+              </a:rPr>
+              <a:t>=</a:t>
+            </a:r>
+            <a:r>
+              <a:rPr lang="en-US" sz="2800" dirty="0">
+                <a:solidFill>
+                  <a:srgbClr val="000000"/>
+                </a:solidFill>
+                <a:highlight>
+                  <a:srgbClr val="FFFFFF"/>
+                </a:highlight>
+                <a:latin typeface="Consolas" panose="020B0609020204030204" pitchFamily="49" charset="0"/>
+              </a:rPr>
+              <a:t> a;</a:t>
+            </a:r>
+            <a:br>
+              <a:rPr lang="ru-RU" sz="2800" dirty="0">
+                <a:solidFill>
+                  <a:srgbClr val="000000"/>
+                </a:solidFill>
+                <a:highlight>
+                  <a:srgbClr val="FFFFFF"/>
+                </a:highlight>
+                <a:latin typeface="Consolas" panose="020B0609020204030204" pitchFamily="49" charset="0"/>
+              </a:rPr>
+            </a:br>
+            <a:r>
+              <a:rPr lang="ru-RU" sz="2800" dirty="0">
+                <a:solidFill>
+                  <a:srgbClr val="000000"/>
+                </a:solidFill>
+                <a:highlight>
+                  <a:srgbClr val="FFFFFF"/>
+                </a:highlight>
+                <a:latin typeface="Consolas" panose="020B0609020204030204" pitchFamily="49" charset="0"/>
+              </a:rPr>
+              <a:t>}</a:t>
+            </a:r>
+            <a:br>
+              <a:rPr lang="ru-RU" sz="2800" dirty="0">
+                <a:solidFill>
+                  <a:srgbClr val="000000"/>
+                </a:solidFill>
+                <a:highlight>
+                  <a:srgbClr val="FFFFFF"/>
+                </a:highlight>
+                <a:latin typeface="Consolas" panose="020B0609020204030204" pitchFamily="49" charset="0"/>
+              </a:rPr>
+            </a:br>
+            <a:r>
+              <a:rPr lang="ru-RU" sz="2800" dirty="0">
+                <a:solidFill>
+                  <a:srgbClr val="000000"/>
+                </a:solidFill>
+                <a:highlight>
+                  <a:srgbClr val="FFFFFF"/>
+                </a:highlight>
+                <a:latin typeface="Consolas" panose="020B0609020204030204" pitchFamily="49" charset="0"/>
+              </a:rPr>
+              <a:t>   </a:t>
+            </a:r>
+            <a:r>
+              <a:rPr lang="en-US" sz="2800" dirty="0">
+                <a:solidFill>
+                  <a:srgbClr val="000000"/>
+                </a:solidFill>
+                <a:highlight>
+                  <a:srgbClr val="FFFFFF"/>
+                </a:highlight>
+                <a:latin typeface="Consolas" panose="020B0609020204030204" pitchFamily="49" charset="0"/>
+              </a:rPr>
+              <a:t>std::</a:t>
+            </a:r>
+            <a:r>
+              <a:rPr lang="en-US" sz="2800" dirty="0" err="1">
+                <a:solidFill>
+                  <a:srgbClr val="000000"/>
+                </a:solidFill>
+                <a:highlight>
+                  <a:srgbClr val="FFFFFF"/>
+                </a:highlight>
+                <a:latin typeface="Consolas" panose="020B0609020204030204" pitchFamily="49" charset="0"/>
+              </a:rPr>
+              <a:t>cout</a:t>
+            </a:r>
+            <a:r>
+              <a:rPr lang="en-US" sz="2800" dirty="0">
+                <a:solidFill>
+                  <a:srgbClr val="000000"/>
+                </a:solidFill>
+                <a:highlight>
+                  <a:srgbClr val="FFFFFF"/>
+                </a:highlight>
+                <a:latin typeface="Consolas" panose="020B0609020204030204" pitchFamily="49" charset="0"/>
+              </a:rPr>
+              <a:t> </a:t>
+            </a:r>
+            <a:r>
+              <a:rPr lang="en-US" sz="2800" dirty="0">
+                <a:solidFill>
+                  <a:srgbClr val="008080"/>
+                </a:solidFill>
+                <a:highlight>
+                  <a:srgbClr val="FFFFFF"/>
+                </a:highlight>
+                <a:latin typeface="Consolas" panose="020B0609020204030204" pitchFamily="49" charset="0"/>
+              </a:rPr>
+              <a:t>&lt;&lt;</a:t>
+            </a:r>
+            <a:r>
+              <a:rPr lang="en-US" sz="2800" dirty="0">
+                <a:solidFill>
+                  <a:srgbClr val="000000"/>
+                </a:solidFill>
+                <a:highlight>
+                  <a:srgbClr val="FFFFFF"/>
+                </a:highlight>
+                <a:latin typeface="Consolas" panose="020B0609020204030204" pitchFamily="49" charset="0"/>
+              </a:rPr>
+              <a:t> </a:t>
+            </a:r>
+            <a:r>
+              <a:rPr lang="en-US" sz="2800" dirty="0">
+                <a:solidFill>
+                  <a:srgbClr val="A31515"/>
+                </a:solidFill>
+                <a:highlight>
+                  <a:srgbClr val="FFFFFF"/>
+                </a:highlight>
+                <a:latin typeface="Consolas" panose="020B0609020204030204" pitchFamily="49" charset="0"/>
+              </a:rPr>
+              <a:t>"end scope\n"</a:t>
+            </a:r>
+            <a:r>
+              <a:rPr lang="en-US" sz="2800" dirty="0">
+                <a:solidFill>
+                  <a:srgbClr val="000000"/>
+                </a:solidFill>
+                <a:highlight>
+                  <a:srgbClr val="FFFFFF"/>
+                </a:highlight>
+                <a:latin typeface="Consolas" panose="020B0609020204030204" pitchFamily="49" charset="0"/>
+              </a:rPr>
+              <a:t>; // </a:t>
+            </a:r>
+            <a:r>
+              <a:rPr lang="ru-RU" sz="2800" dirty="0">
+                <a:solidFill>
+                  <a:srgbClr val="000000"/>
+                </a:solidFill>
+                <a:highlight>
+                  <a:srgbClr val="FFFFFF"/>
+                </a:highlight>
+                <a:latin typeface="Consolas" panose="020B0609020204030204" pitchFamily="49" charset="0"/>
+              </a:rPr>
+              <a:t>деструкторы не будут вызваны!</a:t>
+            </a:r>
+            <a:br>
+              <a:rPr lang="ru-RU" sz="2800" dirty="0">
+                <a:solidFill>
+                  <a:srgbClr val="000000"/>
+                </a:solidFill>
+                <a:highlight>
+                  <a:srgbClr val="FFFFFF"/>
+                </a:highlight>
+                <a:latin typeface="Consolas" panose="020B0609020204030204" pitchFamily="49" charset="0"/>
+              </a:rPr>
+            </a:br>
+            <a:r>
+              <a:rPr lang="ru-RU" sz="2800" dirty="0">
+                <a:solidFill>
+                  <a:srgbClr val="000000"/>
+                </a:solidFill>
+                <a:highlight>
+                  <a:srgbClr val="FFFFFF"/>
+                </a:highlight>
+                <a:latin typeface="Consolas" panose="020B0609020204030204" pitchFamily="49" charset="0"/>
+              </a:rPr>
+              <a:t>}</a:t>
+            </a:r>
+            <a:endParaRPr lang="ru-RU" sz="4400" dirty="0">
+              <a:latin typeface="Consolas" panose="020B0609020204030204" pitchFamily="49" charset="0"/>
+            </a:endParaRPr>
+          </a:p>
+          <a:p>
+            <a:endParaRPr lang="ru-RU" dirty="0"/>
+          </a:p>
+        </p:txBody>
+      </p:sp>
+    </p:spTree>
+    <p:extLst>
+      <p:ext uri="{BB962C8B-B14F-4D97-AF65-F5344CB8AC3E}">
+        <p14:creationId xmlns:p14="http://schemas.microsoft.com/office/powerpoint/2010/main" val="4206635422"/>
       </p:ext>
     </p:extLst>
   </p:cSld>
